--- a/主啊我要跟隨你(崇拜版).pptx
+++ b/主啊我要跟隨你(崇拜版).pptx
@@ -6,11 +6,14 @@
   </p:sldMasterIdLst>
   <p:sldIdLst>
     <p:sldId id="256" r:id="rId2"/>
-    <p:sldId id="259" r:id="rId3"/>
-    <p:sldId id="257" r:id="rId4"/>
-    <p:sldId id="258" r:id="rId5"/>
+    <p:sldId id="257" r:id="rId3"/>
+    <p:sldId id="258" r:id="rId4"/>
+    <p:sldId id="259" r:id="rId5"/>
+    <p:sldId id="260" r:id="rId6"/>
+    <p:sldId id="261" r:id="rId7"/>
+    <p:sldId id="262" r:id="rId8"/>
   </p:sldIdLst>
-  <p:sldSz cx="9144000" cy="6858000" type="screen4x3"/>
+  <p:sldSz cx="12192000" cy="6858000"/>
   <p:notesSz cx="6858000" cy="9144000"/>
   <p:defaultTextStyle>
     <a:defPPr>
@@ -107,6 +110,22 @@
       </a:defRPr>
     </a:lvl9pPr>
   </p:defaultTextStyle>
+  <p:extLst>
+    <p:ext uri="{EFAFB233-063F-42B5-8137-9DF3F51BA10A}">
+      <p15:sldGuideLst xmlns:p15="http://schemas.microsoft.com/office/powerpoint/2012/main">
+        <p15:guide id="1" orient="horz" pos="2160" userDrawn="1">
+          <p15:clr>
+            <a:srgbClr val="A4A3A4"/>
+          </p15:clr>
+        </p15:guide>
+        <p15:guide id="2" pos="3840" userDrawn="1">
+          <p15:clr>
+            <a:srgbClr val="A4A3A4"/>
+          </p15:clr>
+        </p15:guide>
+      </p15:sldGuideLst>
+    </p:ext>
+  </p:extLst>
 </p:presentation>
 </file>
 
@@ -139,8 +158,8 @@
         </p:nvSpPr>
         <p:spPr>
           <a:xfrm>
-            <a:off x="685800" y="2130425"/>
-            <a:ext cx="7772400" cy="1470025"/>
+            <a:off x="914400" y="2130426"/>
+            <a:ext cx="10363200" cy="1470025"/>
           </a:xfrm>
         </p:spPr>
         <p:txBody>
@@ -167,8 +186,8 @@
         </p:nvSpPr>
         <p:spPr>
           <a:xfrm>
-            <a:off x="1371600" y="3886200"/>
-            <a:ext cx="6400800" cy="1752600"/>
+            <a:off x="1828800" y="3886200"/>
+            <a:ext cx="8534400" cy="1752600"/>
           </a:xfrm>
         </p:spPr>
         <p:txBody>
@@ -291,7 +310,7 @@
           <a:p>
             <a:fld id="{0F79CCE4-873A-4F33-8A56-71EE1A5A8300}" type="datetimeFigureOut">
               <a:rPr lang="zh-TW" altLang="en-US" smtClean="0"/>
-              <a:t>2017/7/23</a:t>
+              <a:t>2020/11/14</a:t>
             </a:fld>
             <a:endParaRPr lang="zh-TW" altLang="en-US"/>
           </a:p>
@@ -456,7 +475,7 @@
           <a:p>
             <a:fld id="{0F79CCE4-873A-4F33-8A56-71EE1A5A8300}" type="datetimeFigureOut">
               <a:rPr lang="zh-TW" altLang="en-US" smtClean="0"/>
-              <a:t>2017/7/23</a:t>
+              <a:t>2020/11/14</a:t>
             </a:fld>
             <a:endParaRPr lang="zh-TW" altLang="en-US"/>
           </a:p>
@@ -541,8 +560,8 @@
         </p:nvSpPr>
         <p:spPr>
           <a:xfrm>
-            <a:off x="6629400" y="274638"/>
-            <a:ext cx="2057400" cy="5851525"/>
+            <a:off x="8839200" y="274639"/>
+            <a:ext cx="2743200" cy="5851525"/>
           </a:xfrm>
         </p:spPr>
         <p:txBody>
@@ -569,8 +588,8 @@
         </p:nvSpPr>
         <p:spPr>
           <a:xfrm>
-            <a:off x="457200" y="274638"/>
-            <a:ext cx="6019800" cy="5851525"/>
+            <a:off x="609600" y="274639"/>
+            <a:ext cx="8026400" cy="5851525"/>
           </a:xfrm>
         </p:spPr>
         <p:txBody>
@@ -631,7 +650,7 @@
           <a:p>
             <a:fld id="{0F79CCE4-873A-4F33-8A56-71EE1A5A8300}" type="datetimeFigureOut">
               <a:rPr lang="zh-TW" altLang="en-US" smtClean="0"/>
-              <a:t>2017/7/23</a:t>
+              <a:t>2020/11/14</a:t>
             </a:fld>
             <a:endParaRPr lang="zh-TW" altLang="en-US"/>
           </a:p>
@@ -796,7 +815,7 @@
           <a:p>
             <a:fld id="{0F79CCE4-873A-4F33-8A56-71EE1A5A8300}" type="datetimeFigureOut">
               <a:rPr lang="zh-TW" altLang="en-US" smtClean="0"/>
-              <a:t>2017/7/23</a:t>
+              <a:t>2020/11/14</a:t>
             </a:fld>
             <a:endParaRPr lang="zh-TW" altLang="en-US"/>
           </a:p>
@@ -881,8 +900,8 @@
         </p:nvSpPr>
         <p:spPr>
           <a:xfrm>
-            <a:off x="722313" y="4406900"/>
-            <a:ext cx="7772400" cy="1362075"/>
+            <a:off x="963084" y="4406901"/>
+            <a:ext cx="10363200" cy="1362075"/>
           </a:xfrm>
         </p:spPr>
         <p:txBody>
@@ -913,8 +932,8 @@
         </p:nvSpPr>
         <p:spPr>
           <a:xfrm>
-            <a:off x="722313" y="2906713"/>
-            <a:ext cx="7772400" cy="1500187"/>
+            <a:off x="963084" y="2906713"/>
+            <a:ext cx="10363200" cy="1500187"/>
           </a:xfrm>
         </p:spPr>
         <p:txBody>
@@ -1037,7 +1056,7 @@
           <a:p>
             <a:fld id="{0F79CCE4-873A-4F33-8A56-71EE1A5A8300}" type="datetimeFigureOut">
               <a:rPr lang="zh-TW" altLang="en-US" smtClean="0"/>
-              <a:t>2017/7/23</a:t>
+              <a:t>2020/11/14</a:t>
             </a:fld>
             <a:endParaRPr lang="zh-TW" altLang="en-US"/>
           </a:p>
@@ -1145,8 +1164,8 @@
         </p:nvSpPr>
         <p:spPr>
           <a:xfrm>
-            <a:off x="457200" y="1600200"/>
-            <a:ext cx="4038600" cy="4525963"/>
+            <a:off x="609600" y="1600201"/>
+            <a:ext cx="5384800" cy="4525963"/>
           </a:xfrm>
         </p:spPr>
         <p:txBody>
@@ -1230,8 +1249,8 @@
         </p:nvSpPr>
         <p:spPr>
           <a:xfrm>
-            <a:off x="4648200" y="1600200"/>
-            <a:ext cx="4038600" cy="4525963"/>
+            <a:off x="6197600" y="1600201"/>
+            <a:ext cx="5384800" cy="4525963"/>
           </a:xfrm>
         </p:spPr>
         <p:txBody>
@@ -1320,7 +1339,7 @@
           <a:p>
             <a:fld id="{0F79CCE4-873A-4F33-8A56-71EE1A5A8300}" type="datetimeFigureOut">
               <a:rPr lang="zh-TW" altLang="en-US" smtClean="0"/>
-              <a:t>2017/7/23</a:t>
+              <a:t>2020/11/14</a:t>
             </a:fld>
             <a:endParaRPr lang="zh-TW" altLang="en-US"/>
           </a:p>
@@ -1432,8 +1451,8 @@
         </p:nvSpPr>
         <p:spPr>
           <a:xfrm>
-            <a:off x="457200" y="1535113"/>
-            <a:ext cx="4040188" cy="639762"/>
+            <a:off x="609600" y="1535113"/>
+            <a:ext cx="5386917" cy="639762"/>
           </a:xfrm>
         </p:spPr>
         <p:txBody>
@@ -1497,8 +1516,8 @@
         </p:nvSpPr>
         <p:spPr>
           <a:xfrm>
-            <a:off x="457200" y="2174875"/>
-            <a:ext cx="4040188" cy="3951288"/>
+            <a:off x="609600" y="2174875"/>
+            <a:ext cx="5386917" cy="3951288"/>
           </a:xfrm>
         </p:spPr>
         <p:txBody>
@@ -1582,8 +1601,8 @@
         </p:nvSpPr>
         <p:spPr>
           <a:xfrm>
-            <a:off x="4645025" y="1535113"/>
-            <a:ext cx="4041775" cy="639762"/>
+            <a:off x="6193368" y="1535113"/>
+            <a:ext cx="5389033" cy="639762"/>
           </a:xfrm>
         </p:spPr>
         <p:txBody>
@@ -1647,8 +1666,8 @@
         </p:nvSpPr>
         <p:spPr>
           <a:xfrm>
-            <a:off x="4645025" y="2174875"/>
-            <a:ext cx="4041775" cy="3951288"/>
+            <a:off x="6193368" y="2174875"/>
+            <a:ext cx="5389033" cy="3951288"/>
           </a:xfrm>
         </p:spPr>
         <p:txBody>
@@ -1737,7 +1756,7 @@
           <a:p>
             <a:fld id="{0F79CCE4-873A-4F33-8A56-71EE1A5A8300}" type="datetimeFigureOut">
               <a:rPr lang="zh-TW" altLang="en-US" smtClean="0"/>
-              <a:t>2017/7/23</a:t>
+              <a:t>2020/11/14</a:t>
             </a:fld>
             <a:endParaRPr lang="zh-TW" altLang="en-US"/>
           </a:p>
@@ -1850,7 +1869,7 @@
           <a:p>
             <a:fld id="{0F79CCE4-873A-4F33-8A56-71EE1A5A8300}" type="datetimeFigureOut">
               <a:rPr lang="zh-TW" altLang="en-US" smtClean="0"/>
-              <a:t>2017/7/23</a:t>
+              <a:t>2020/11/14</a:t>
             </a:fld>
             <a:endParaRPr lang="zh-TW" altLang="en-US"/>
           </a:p>
@@ -1940,7 +1959,7 @@
           <a:p>
             <a:fld id="{0F79CCE4-873A-4F33-8A56-71EE1A5A8300}" type="datetimeFigureOut">
               <a:rPr lang="zh-TW" altLang="en-US" smtClean="0"/>
-              <a:t>2017/7/23</a:t>
+              <a:t>2020/11/14</a:t>
             </a:fld>
             <a:endParaRPr lang="zh-TW" altLang="en-US"/>
           </a:p>
@@ -2025,8 +2044,8 @@
         </p:nvSpPr>
         <p:spPr>
           <a:xfrm>
-            <a:off x="457200" y="273050"/>
-            <a:ext cx="3008313" cy="1162050"/>
+            <a:off x="609601" y="273050"/>
+            <a:ext cx="4011084" cy="1162050"/>
           </a:xfrm>
         </p:spPr>
         <p:txBody>
@@ -2057,8 +2076,8 @@
         </p:nvSpPr>
         <p:spPr>
           <a:xfrm>
-            <a:off x="3575050" y="273050"/>
-            <a:ext cx="5111750" cy="5853113"/>
+            <a:off x="4766733" y="273051"/>
+            <a:ext cx="6815667" cy="5853113"/>
           </a:xfrm>
         </p:spPr>
         <p:txBody>
@@ -2142,8 +2161,8 @@
         </p:nvSpPr>
         <p:spPr>
           <a:xfrm>
-            <a:off x="457200" y="1435100"/>
-            <a:ext cx="3008313" cy="4691063"/>
+            <a:off x="609601" y="1435101"/>
+            <a:ext cx="4011084" cy="4691063"/>
           </a:xfrm>
         </p:spPr>
         <p:txBody>
@@ -2212,7 +2231,7 @@
           <a:p>
             <a:fld id="{0F79CCE4-873A-4F33-8A56-71EE1A5A8300}" type="datetimeFigureOut">
               <a:rPr lang="zh-TW" altLang="en-US" smtClean="0"/>
-              <a:t>2017/7/23</a:t>
+              <a:t>2020/11/14</a:t>
             </a:fld>
             <a:endParaRPr lang="zh-TW" altLang="en-US"/>
           </a:p>
@@ -2297,8 +2316,8 @@
         </p:nvSpPr>
         <p:spPr>
           <a:xfrm>
-            <a:off x="1792288" y="4800600"/>
-            <a:ext cx="5486400" cy="566738"/>
+            <a:off x="2389717" y="4800600"/>
+            <a:ext cx="7315200" cy="566738"/>
           </a:xfrm>
         </p:spPr>
         <p:txBody>
@@ -2329,8 +2348,8 @@
         </p:nvSpPr>
         <p:spPr>
           <a:xfrm>
-            <a:off x="1792288" y="612775"/>
-            <a:ext cx="5486400" cy="4114800"/>
+            <a:off x="2389717" y="612775"/>
+            <a:ext cx="7315200" cy="4114800"/>
           </a:xfrm>
         </p:spPr>
         <p:txBody>
@@ -2394,8 +2413,8 @@
         </p:nvSpPr>
         <p:spPr>
           <a:xfrm>
-            <a:off x="1792288" y="5367338"/>
-            <a:ext cx="5486400" cy="804862"/>
+            <a:off x="2389717" y="5367338"/>
+            <a:ext cx="7315200" cy="804862"/>
           </a:xfrm>
         </p:spPr>
         <p:txBody>
@@ -2464,7 +2483,7 @@
           <a:p>
             <a:fld id="{0F79CCE4-873A-4F33-8A56-71EE1A5A8300}" type="datetimeFigureOut">
               <a:rPr lang="zh-TW" altLang="en-US" smtClean="0"/>
-              <a:t>2017/7/23</a:t>
+              <a:t>2020/11/14</a:t>
             </a:fld>
             <a:endParaRPr lang="zh-TW" altLang="en-US"/>
           </a:p>
@@ -2559,8 +2578,8 @@
         </p:nvSpPr>
         <p:spPr>
           <a:xfrm>
-            <a:off x="457200" y="274638"/>
-            <a:ext cx="8229600" cy="1143000"/>
+            <a:off x="609600" y="274638"/>
+            <a:ext cx="10972800" cy="1143000"/>
           </a:xfrm>
           <a:prstGeom prst="rect">
             <a:avLst/>
@@ -2592,8 +2611,8 @@
         </p:nvSpPr>
         <p:spPr>
           <a:xfrm>
-            <a:off x="457200" y="1600200"/>
-            <a:ext cx="8229600" cy="4525963"/>
+            <a:off x="609600" y="1600201"/>
+            <a:ext cx="10972800" cy="4525963"/>
           </a:xfrm>
           <a:prstGeom prst="rect">
             <a:avLst/>
@@ -2654,8 +2673,8 @@
         </p:nvSpPr>
         <p:spPr>
           <a:xfrm>
-            <a:off x="457200" y="6356350"/>
-            <a:ext cx="2133600" cy="365125"/>
+            <a:off x="609600" y="6356351"/>
+            <a:ext cx="2844800" cy="365125"/>
           </a:xfrm>
           <a:prstGeom prst="rect">
             <a:avLst/>
@@ -2677,7 +2696,7 @@
           <a:p>
             <a:fld id="{0F79CCE4-873A-4F33-8A56-71EE1A5A8300}" type="datetimeFigureOut">
               <a:rPr lang="zh-TW" altLang="en-US" smtClean="0"/>
-              <a:t>2017/7/23</a:t>
+              <a:t>2020/11/14</a:t>
             </a:fld>
             <a:endParaRPr lang="zh-TW" altLang="en-US"/>
           </a:p>
@@ -2695,8 +2714,8 @@
         </p:nvSpPr>
         <p:spPr>
           <a:xfrm>
-            <a:off x="3124200" y="6356350"/>
-            <a:ext cx="2895600" cy="365125"/>
+            <a:off x="4165600" y="6356351"/>
+            <a:ext cx="3860800" cy="365125"/>
           </a:xfrm>
           <a:prstGeom prst="rect">
             <a:avLst/>
@@ -2732,8 +2751,8 @@
         </p:nvSpPr>
         <p:spPr>
           <a:xfrm>
-            <a:off x="6553200" y="6356350"/>
-            <a:ext cx="2133600" cy="365125"/>
+            <a:off x="8737600" y="6356351"/>
+            <a:ext cx="2844800" cy="365125"/>
           </a:xfrm>
           <a:prstGeom prst="rect">
             <a:avLst/>
@@ -3057,262 +3076,58 @@
             <p:ph type="title"/>
           </p:nvPr>
         </p:nvSpPr>
-        <p:spPr/>
-        <p:txBody>
-          <a:bodyPr/>
-          <a:lstStyle/>
-          <a:p>
-            <a:r>
-              <a:rPr lang="zh-CN" altLang="en-US" b="1" dirty="0" smtClean="0">
+        <p:spPr>
+          <a:xfrm>
+            <a:off x="0" y="2857513"/>
+            <a:ext cx="12192000" cy="1143000"/>
+          </a:xfrm>
+        </p:spPr>
+        <p:txBody>
+          <a:bodyPr>
+            <a:noAutofit/>
+          </a:bodyPr>
+          <a:lstStyle/>
+          <a:p>
+            <a:r>
+              <a:rPr lang="zh-CN" altLang="en-US" sz="7200" b="1" i="1" dirty="0">
                 <a:solidFill>
                   <a:srgbClr val="000066"/>
                 </a:solidFill>
+                <a:effectLst>
+                  <a:outerShdw blurRad="38100" dist="38100" dir="2700000" algn="tl">
+                    <a:srgbClr val="000000">
+                      <a:alpha val="43137"/>
+                    </a:srgbClr>
+                  </a:outerShdw>
+                </a:effectLst>
                 <a:latin typeface="微軟正黑體" pitchFamily="34" charset="-120"/>
                 <a:ea typeface="微軟正黑體" pitchFamily="34" charset="-120"/>
               </a:rPr>
-              <a:t>主啊我要跟隨你</a:t>
-            </a:r>
-            <a:endParaRPr lang="zh-TW" altLang="en-US" b="1" dirty="0">
+              <a:t>主啊我要跟隨袮</a:t>
+            </a:r>
+            <a:endParaRPr lang="zh-TW" altLang="en-US" sz="7200" b="1" i="1" dirty="0">
               <a:solidFill>
                 <a:srgbClr val="000066"/>
               </a:solidFill>
+              <a:effectLst>
+                <a:outerShdw blurRad="38100" dist="38100" dir="2700000" algn="tl">
+                  <a:srgbClr val="000000">
+                    <a:alpha val="43137"/>
+                  </a:srgbClr>
+                </a:outerShdw>
+              </a:effectLst>
               <a:latin typeface="微軟正黑體" pitchFamily="34" charset="-120"/>
               <a:ea typeface="微軟正黑體" pitchFamily="34" charset="-120"/>
             </a:endParaRPr>
           </a:p>
         </p:txBody>
       </p:sp>
-      <p:sp>
-        <p:nvSpPr>
-          <p:cNvPr id="5" name="內容版面配置區 4"/>
-          <p:cNvSpPr>
-            <a:spLocks noGrp="1"/>
-          </p:cNvSpPr>
-          <p:nvPr>
-            <p:ph idx="1"/>
-          </p:nvPr>
-        </p:nvSpPr>
-        <p:spPr>
-          <a:xfrm>
-            <a:off x="0" y="1600200"/>
-            <a:ext cx="9144000" cy="5257800"/>
-          </a:xfrm>
-        </p:spPr>
-        <p:txBody>
-          <a:bodyPr>
-            <a:noAutofit/>
-          </a:bodyPr>
-          <a:lstStyle/>
-          <a:p>
-            <a:pPr algn="ctr">
-              <a:buNone/>
-            </a:pPr>
-            <a:r>
-              <a:rPr lang="zh-TW" altLang="en-US" sz="5400" b="1" dirty="0" smtClean="0">
-                <a:solidFill>
-                  <a:srgbClr val="000066"/>
-                </a:solidFill>
-                <a:latin typeface="微軟正黑體" pitchFamily="34" charset="-120"/>
-                <a:ea typeface="微軟正黑體" pitchFamily="34" charset="-120"/>
-              </a:rPr>
-              <a:t>你的話在我</a:t>
-            </a:r>
-            <a:r>
-              <a:rPr lang="zh-TW" altLang="en-US" sz="5400" b="1" dirty="0" smtClean="0">
-                <a:solidFill>
-                  <a:srgbClr val="000066"/>
-                </a:solidFill>
-                <a:latin typeface="微軟正黑體" pitchFamily="34" charset="-120"/>
-                <a:ea typeface="微軟正黑體" pitchFamily="34" charset="-120"/>
-              </a:rPr>
-              <a:t>心</a:t>
-            </a:r>
-            <a:endParaRPr lang="en-US" altLang="zh-TW" sz="5400" b="1" dirty="0" smtClean="0">
-              <a:solidFill>
-                <a:srgbClr val="000066"/>
-              </a:solidFill>
-              <a:latin typeface="微軟正黑體" pitchFamily="34" charset="-120"/>
-              <a:ea typeface="微軟正黑體" pitchFamily="34" charset="-120"/>
-            </a:endParaRPr>
-          </a:p>
-          <a:p>
-            <a:pPr algn="ctr">
-              <a:buNone/>
-            </a:pPr>
-            <a:r>
-              <a:rPr lang="zh-TW" altLang="en-US" sz="5400" b="1" dirty="0" smtClean="0">
-                <a:solidFill>
-                  <a:srgbClr val="000066"/>
-                </a:solidFill>
-                <a:latin typeface="微軟正黑體" pitchFamily="34" charset="-120"/>
-                <a:ea typeface="微軟正黑體" pitchFamily="34" charset="-120"/>
-              </a:rPr>
-              <a:t>使</a:t>
-            </a:r>
-            <a:r>
-              <a:rPr lang="zh-TW" altLang="en-US" sz="5400" b="1" dirty="0" smtClean="0">
-                <a:solidFill>
-                  <a:srgbClr val="000066"/>
-                </a:solidFill>
-                <a:latin typeface="微軟正黑體" pitchFamily="34" charset="-120"/>
-                <a:ea typeface="微軟正黑體" pitchFamily="34" charset="-120"/>
-              </a:rPr>
-              <a:t>我腳步不</a:t>
-            </a:r>
-            <a:r>
-              <a:rPr lang="zh-TW" altLang="en-US" sz="5400" b="1" dirty="0" smtClean="0">
-                <a:solidFill>
-                  <a:srgbClr val="000066"/>
-                </a:solidFill>
-                <a:latin typeface="微軟正黑體" pitchFamily="34" charset="-120"/>
-                <a:ea typeface="微軟正黑體" pitchFamily="34" charset="-120"/>
-              </a:rPr>
-              <a:t>偏離</a:t>
-            </a:r>
-            <a:endParaRPr lang="en-US" altLang="zh-TW" sz="5400" b="1" dirty="0" smtClean="0">
-              <a:solidFill>
-                <a:srgbClr val="000066"/>
-              </a:solidFill>
-              <a:latin typeface="微軟正黑體" pitchFamily="34" charset="-120"/>
-              <a:ea typeface="微軟正黑體" pitchFamily="34" charset="-120"/>
-            </a:endParaRPr>
-          </a:p>
-          <a:p>
-            <a:pPr algn="ctr">
-              <a:buNone/>
-            </a:pPr>
-            <a:r>
-              <a:rPr lang="zh-TW" altLang="en-US" sz="5400" b="1" dirty="0" smtClean="0">
-                <a:solidFill>
-                  <a:srgbClr val="000066"/>
-                </a:solidFill>
-                <a:latin typeface="微軟正黑體" pitchFamily="34" charset="-120"/>
-                <a:ea typeface="微軟正黑體" pitchFamily="34" charset="-120"/>
-              </a:rPr>
-              <a:t>令</a:t>
-            </a:r>
-            <a:r>
-              <a:rPr lang="zh-TW" altLang="en-US" sz="5400" b="1" dirty="0" smtClean="0">
-                <a:solidFill>
-                  <a:srgbClr val="000066"/>
-                </a:solidFill>
-                <a:latin typeface="微軟正黑體" pitchFamily="34" charset="-120"/>
-                <a:ea typeface="微軟正黑體" pitchFamily="34" charset="-120"/>
-              </a:rPr>
-              <a:t>我走這人</a:t>
-            </a:r>
-            <a:r>
-              <a:rPr lang="zh-TW" altLang="en-US" sz="5400" b="1" dirty="0" smtClean="0">
-                <a:solidFill>
-                  <a:srgbClr val="000066"/>
-                </a:solidFill>
-                <a:latin typeface="微軟正黑體" pitchFamily="34" charset="-120"/>
-                <a:ea typeface="微軟正黑體" pitchFamily="34" charset="-120"/>
-              </a:rPr>
-              <a:t>生路</a:t>
-            </a:r>
-            <a:endParaRPr lang="en-US" altLang="zh-TW" sz="5400" b="1" dirty="0" smtClean="0">
-              <a:solidFill>
-                <a:srgbClr val="000066"/>
-              </a:solidFill>
-              <a:latin typeface="微軟正黑體" pitchFamily="34" charset="-120"/>
-              <a:ea typeface="微軟正黑體" pitchFamily="34" charset="-120"/>
-            </a:endParaRPr>
-          </a:p>
-        </p:txBody>
-      </p:sp>
-      <p:sp>
-        <p:nvSpPr>
-          <p:cNvPr id="6" name="標題 3"/>
-          <p:cNvSpPr txBox="1">
-            <a:spLocks/>
-          </p:cNvSpPr>
-          <p:nvPr/>
-        </p:nvSpPr>
-        <p:spPr>
-          <a:xfrm>
-            <a:off x="0" y="6500834"/>
-            <a:ext cx="2000232" cy="357166"/>
-          </a:xfrm>
-          <a:prstGeom prst="rect">
-            <a:avLst/>
-          </a:prstGeom>
-        </p:spPr>
-        <p:txBody>
-          <a:bodyPr vert="horz" lIns="91440" tIns="45720" rIns="91440" bIns="45720" rtlCol="0" anchor="ctr">
-            <a:normAutofit/>
-          </a:bodyPr>
-          <a:lstStyle/>
-          <a:p>
-            <a:pPr marL="0" marR="0" lvl="0" indent="0" algn="ctr" defTabSz="914400" rtl="0" eaLnBrk="1" fontAlgn="auto" latinLnBrk="0" hangingPunct="1">
-              <a:lnSpc>
-                <a:spcPct val="100000"/>
-              </a:lnSpc>
-              <a:spcBef>
-                <a:spcPct val="0"/>
-              </a:spcBef>
-              <a:spcAft>
-                <a:spcPts val="0"/>
-              </a:spcAft>
-              <a:buClrTx/>
-              <a:buSzTx/>
-              <a:buFontTx/>
-              <a:buNone/>
-              <a:tabLst/>
-              <a:defRPr/>
-            </a:pPr>
-            <a:r>
-              <a:rPr kumimoji="0" lang="zh-CN" altLang="en-US" sz="1500" b="1" i="0" u="none" strike="noStrike" kern="1200" cap="none" spc="0" normalizeH="0" baseline="0" noProof="0" dirty="0" smtClean="0">
-                <a:ln>
-                  <a:noFill/>
-                </a:ln>
-                <a:solidFill>
-                  <a:srgbClr val="000066"/>
-                </a:solidFill>
-                <a:effectLst/>
-                <a:uLnTx/>
-                <a:uFillTx/>
-                <a:latin typeface="微軟正黑體" pitchFamily="34" charset="-120"/>
-                <a:ea typeface="微軟正黑體" pitchFamily="34" charset="-120"/>
-                <a:cs typeface="+mj-cs"/>
-              </a:rPr>
-              <a:t>主啊我要跟隨你</a:t>
-            </a:r>
-            <a:r>
-              <a:rPr kumimoji="0" lang="en-US" altLang="zh-CN" sz="1500" b="1" i="0" u="none" strike="noStrike" kern="1200" cap="none" spc="0" normalizeH="0" baseline="0" noProof="0" dirty="0" smtClean="0">
-                <a:ln>
-                  <a:noFill/>
-                </a:ln>
-                <a:solidFill>
-                  <a:srgbClr val="000066"/>
-                </a:solidFill>
-                <a:effectLst/>
-                <a:uLnTx/>
-                <a:uFillTx/>
-                <a:latin typeface="微軟正黑體" pitchFamily="34" charset="-120"/>
-                <a:ea typeface="微軟正黑體" pitchFamily="34" charset="-120"/>
-                <a:cs typeface="+mj-cs"/>
-              </a:rPr>
-              <a:t>1/4</a:t>
-            </a:r>
-            <a:endParaRPr kumimoji="0" lang="zh-TW" altLang="en-US" sz="1500" b="1" i="0" u="none" strike="noStrike" kern="1200" cap="none" spc="0" normalizeH="0" baseline="0" noProof="0" dirty="0">
-              <a:ln>
-                <a:noFill/>
-              </a:ln>
-              <a:solidFill>
-                <a:srgbClr val="000066"/>
-              </a:solidFill>
-              <a:effectLst/>
-              <a:uLnTx/>
-              <a:uFillTx/>
-              <a:latin typeface="微軟正黑體" pitchFamily="34" charset="-120"/>
-              <a:ea typeface="微軟正黑體" pitchFamily="34" charset="-120"/>
-              <a:cs typeface="+mj-cs"/>
-            </a:endParaRPr>
-          </a:p>
-        </p:txBody>
-      </p:sp>
     </p:spTree>
+    <p:extLst>
+      <p:ext uri="{BB962C8B-B14F-4D97-AF65-F5344CB8AC3E}">
+        <p14:creationId xmlns:p14="http://schemas.microsoft.com/office/powerpoint/2010/main" val="1361085588"/>
+      </p:ext>
+    </p:extLst>
   </p:cSld>
   <p:clrMapOvr>
     <a:masterClrMapping/>
@@ -3349,13 +3164,13 @@
         </p:nvSpPr>
         <p:spPr>
           <a:xfrm>
-            <a:off x="0" y="242902"/>
-            <a:ext cx="9144000" cy="5257800"/>
+            <a:off x="0" y="2084851"/>
+            <a:ext cx="12192000" cy="2404863"/>
           </a:xfrm>
         </p:spPr>
         <p:txBody>
-          <a:bodyPr>
-            <a:noAutofit/>
+          <a:bodyPr anchor="ctr">
+            <a:normAutofit/>
           </a:bodyPr>
           <a:lstStyle/>
           <a:p>
@@ -3363,36 +3178,46 @@
               <a:buNone/>
             </a:pPr>
             <a:r>
-              <a:rPr lang="zh-TW" altLang="en-US" sz="5400" b="1" dirty="0" smtClean="0">
+              <a:rPr lang="zh-CN" altLang="en-US" sz="6400" b="1" dirty="0">
                 <a:solidFill>
                   <a:srgbClr val="000066"/>
                 </a:solidFill>
                 <a:latin typeface="微軟正黑體" pitchFamily="34" charset="-120"/>
                 <a:ea typeface="微軟正黑體" pitchFamily="34" charset="-120"/>
               </a:rPr>
-              <a:t>你</a:t>
-            </a:r>
-            <a:r>
-              <a:rPr lang="zh-TW" altLang="en-US" sz="5400" b="1" dirty="0" smtClean="0">
+              <a:t>袮</a:t>
+            </a:r>
+            <a:r>
+              <a:rPr lang="zh-TW" altLang="en-US" sz="6400" b="1" dirty="0">
                 <a:solidFill>
                   <a:srgbClr val="000066"/>
                 </a:solidFill>
                 <a:latin typeface="微軟正黑體" pitchFamily="34" charset="-120"/>
                 <a:ea typeface="微軟正黑體" pitchFamily="34" charset="-120"/>
               </a:rPr>
-              <a:t>的愛在我</a:t>
-            </a:r>
-            <a:r>
-              <a:rPr lang="zh-TW" altLang="en-US" sz="5400" b="1" dirty="0" smtClean="0">
+              <a:t>的話在我心</a:t>
+            </a:r>
+            <a:r>
+              <a:rPr lang="en-US" altLang="zh-TW" sz="6400" b="1" dirty="0">
                 <a:solidFill>
                   <a:srgbClr val="000066"/>
                 </a:solidFill>
                 <a:latin typeface="微軟正黑體" pitchFamily="34" charset="-120"/>
                 <a:ea typeface="微軟正黑體" pitchFamily="34" charset="-120"/>
               </a:rPr>
-              <a:t>心</a:t>
-            </a:r>
-            <a:endParaRPr lang="en-US" altLang="zh-TW" sz="5400" b="1" dirty="0" smtClean="0">
+              <a:t>  </a:t>
+            </a:r>
+            <a:r>
+              <a:rPr lang="zh-TW" altLang="en-US" sz="6400" b="1" dirty="0">
+                <a:solidFill>
+                  <a:srgbClr val="000066"/>
+                </a:solidFill>
+                <a:latin typeface="微軟正黑體" pitchFamily="34" charset="-120"/>
+                <a:ea typeface="微軟正黑體" pitchFamily="34" charset="-120"/>
+              </a:rPr>
+              <a:t>使我腳步不偏離</a:t>
+            </a:r>
+            <a:endParaRPr lang="en-US" altLang="zh-TW" sz="6400" b="1" dirty="0">
               <a:solidFill>
                 <a:srgbClr val="000066"/>
               </a:solidFill>
@@ -3405,36 +3230,56 @@
               <a:buNone/>
             </a:pPr>
             <a:r>
-              <a:rPr lang="zh-TW" altLang="en-US" sz="5400" b="1" dirty="0" smtClean="0">
+              <a:rPr lang="zh-CN" altLang="en-US" sz="6600" b="1" dirty="0">
                 <a:solidFill>
                   <a:srgbClr val="000066"/>
                 </a:solidFill>
                 <a:latin typeface="微軟正黑體" pitchFamily="34" charset="-120"/>
                 <a:ea typeface="微軟正黑體" pitchFamily="34" charset="-120"/>
               </a:rPr>
-              <a:t>你</a:t>
-            </a:r>
-            <a:r>
-              <a:rPr lang="zh-TW" altLang="en-US" sz="5400" b="1" dirty="0" smtClean="0">
+              <a:t>領</a:t>
+            </a:r>
+            <a:r>
+              <a:rPr lang="zh-TW" altLang="en-US" sz="6400" b="1" smtClean="0">
                 <a:solidFill>
                   <a:srgbClr val="000066"/>
                 </a:solidFill>
                 <a:latin typeface="微軟正黑體" pitchFamily="34" charset="-120"/>
                 <a:ea typeface="微軟正黑體" pitchFamily="34" charset="-120"/>
               </a:rPr>
-              <a:t>必與我</a:t>
-            </a:r>
-            <a:r>
-              <a:rPr lang="zh-TW" altLang="en-US" sz="5400" b="1" dirty="0" smtClean="0">
+              <a:t>我</a:t>
+            </a:r>
+            <a:r>
+              <a:rPr lang="zh-TW" altLang="en-US" sz="6400" b="1" dirty="0">
                 <a:solidFill>
                   <a:srgbClr val="000066"/>
                 </a:solidFill>
                 <a:latin typeface="微軟正黑體" pitchFamily="34" charset="-120"/>
                 <a:ea typeface="微軟正黑體" pitchFamily="34" charset="-120"/>
               </a:rPr>
-              <a:t>同行</a:t>
-            </a:r>
-            <a:endParaRPr lang="en-US" altLang="zh-TW" sz="5400" b="1" dirty="0" smtClean="0">
+              <a:t>走這人生</a:t>
+            </a:r>
+            <a:r>
+              <a:rPr lang="zh-CN" altLang="en-US" sz="6400" b="1" dirty="0">
+                <a:solidFill>
+                  <a:srgbClr val="000066"/>
+                </a:solidFill>
+                <a:latin typeface="微軟正黑體" pitchFamily="34" charset="-120"/>
+                <a:ea typeface="微軟正黑體" pitchFamily="34" charset="-120"/>
+              </a:rPr>
+              <a:t>的</a:t>
+            </a:r>
+            <a:r>
+              <a:rPr lang="zh-TW" altLang="en-US" sz="6400" b="1" dirty="0">
+                <a:solidFill>
+                  <a:srgbClr val="000066"/>
+                </a:solidFill>
+                <a:latin typeface="微軟正黑體" pitchFamily="34" charset="-120"/>
+                <a:ea typeface="微軟正黑體" pitchFamily="34" charset="-120"/>
+              </a:rPr>
+              <a:t>路</a:t>
+            </a:r>
+            <a:endParaRPr lang="en-US" altLang="zh-TW" sz="6400" b="1" dirty="0">
               <a:solidFill>
                 <a:srgbClr val="000066"/>
               </a:solidFill>
@@ -3442,132 +3287,14 @@
               <a:ea typeface="微軟正黑體" pitchFamily="34" charset="-120"/>
             </a:endParaRPr>
           </a:p>
-          <a:p>
-            <a:pPr algn="ctr">
-              <a:buNone/>
-            </a:pPr>
-            <a:r>
-              <a:rPr lang="zh-TW" altLang="en-US" sz="5400" b="1" dirty="0" smtClean="0">
-                <a:solidFill>
-                  <a:srgbClr val="000066"/>
-                </a:solidFill>
-                <a:latin typeface="微軟正黑體" pitchFamily="34" charset="-120"/>
-                <a:ea typeface="微軟正黑體" pitchFamily="34" charset="-120"/>
-              </a:rPr>
-              <a:t>牽</a:t>
-            </a:r>
-            <a:r>
-              <a:rPr lang="zh-TW" altLang="en-US" sz="5400" b="1" dirty="0" smtClean="0">
-                <a:solidFill>
-                  <a:srgbClr val="000066"/>
-                </a:solidFill>
-                <a:latin typeface="微軟正黑體" pitchFamily="34" charset="-120"/>
-                <a:ea typeface="微軟正黑體" pitchFamily="34" charset="-120"/>
-              </a:rPr>
-              <a:t>我的手走下去</a:t>
-            </a:r>
-            <a:endParaRPr lang="zh-TW" altLang="en-US" sz="5400" b="1" dirty="0">
-              <a:solidFill>
-                <a:srgbClr val="000066"/>
-              </a:solidFill>
-              <a:latin typeface="微軟正黑體" pitchFamily="34" charset="-120"/>
-              <a:ea typeface="微軟正黑體" pitchFamily="34" charset="-120"/>
-            </a:endParaRPr>
-          </a:p>
-        </p:txBody>
-      </p:sp>
-      <p:sp>
-        <p:nvSpPr>
-          <p:cNvPr id="7" name="標題 3"/>
-          <p:cNvSpPr txBox="1">
-            <a:spLocks/>
-          </p:cNvSpPr>
-          <p:nvPr/>
-        </p:nvSpPr>
-        <p:spPr>
-          <a:xfrm>
-            <a:off x="0" y="6500834"/>
-            <a:ext cx="2000232" cy="357166"/>
-          </a:xfrm>
-          <a:prstGeom prst="rect">
-            <a:avLst/>
-          </a:prstGeom>
-        </p:spPr>
-        <p:txBody>
-          <a:bodyPr vert="horz" lIns="91440" tIns="45720" rIns="91440" bIns="45720" rtlCol="0" anchor="ctr">
-            <a:normAutofit/>
-          </a:bodyPr>
-          <a:lstStyle/>
-          <a:p>
-            <a:pPr marL="0" marR="0" lvl="0" indent="0" algn="ctr" defTabSz="914400" rtl="0" eaLnBrk="1" fontAlgn="auto" latinLnBrk="0" hangingPunct="1">
-              <a:lnSpc>
-                <a:spcPct val="100000"/>
-              </a:lnSpc>
-              <a:spcBef>
-                <a:spcPct val="0"/>
-              </a:spcBef>
-              <a:spcAft>
-                <a:spcPts val="0"/>
-              </a:spcAft>
-              <a:buClrTx/>
-              <a:buSzTx/>
-              <a:buFontTx/>
-              <a:buNone/>
-              <a:tabLst/>
-              <a:defRPr/>
-            </a:pPr>
-            <a:r>
-              <a:rPr kumimoji="0" lang="zh-CN" altLang="en-US" sz="1500" b="1" i="0" u="none" strike="noStrike" kern="1200" cap="none" spc="0" normalizeH="0" baseline="0" noProof="0" dirty="0" smtClean="0">
-                <a:ln>
-                  <a:noFill/>
-                </a:ln>
-                <a:solidFill>
-                  <a:srgbClr val="000066"/>
-                </a:solidFill>
-                <a:effectLst/>
-                <a:uLnTx/>
-                <a:uFillTx/>
-                <a:latin typeface="微軟正黑體" pitchFamily="34" charset="-120"/>
-                <a:ea typeface="微軟正黑體" pitchFamily="34" charset="-120"/>
-                <a:cs typeface="+mj-cs"/>
-              </a:rPr>
-              <a:t>主啊我要跟隨你</a:t>
-            </a:r>
-            <a:r>
-              <a:rPr kumimoji="0" lang="en-US" altLang="zh-CN" sz="1500" b="1" i="0" u="none" strike="noStrike" kern="1200" cap="none" spc="0" normalizeH="0" baseline="0" noProof="0" dirty="0" smtClean="0">
-                <a:ln>
-                  <a:noFill/>
-                </a:ln>
-                <a:solidFill>
-                  <a:srgbClr val="000066"/>
-                </a:solidFill>
-                <a:effectLst/>
-                <a:uLnTx/>
-                <a:uFillTx/>
-                <a:latin typeface="微軟正黑體" pitchFamily="34" charset="-120"/>
-                <a:ea typeface="微軟正黑體" pitchFamily="34" charset="-120"/>
-                <a:cs typeface="+mj-cs"/>
-              </a:rPr>
-              <a:t>2/4</a:t>
-            </a:r>
-            <a:endParaRPr kumimoji="0" lang="zh-TW" altLang="en-US" sz="1500" b="1" i="0" u="none" strike="noStrike" kern="1200" cap="none" spc="0" normalizeH="0" baseline="0" noProof="0" dirty="0">
-              <a:ln>
-                <a:noFill/>
-              </a:ln>
-              <a:solidFill>
-                <a:srgbClr val="000066"/>
-              </a:solidFill>
-              <a:effectLst/>
-              <a:uLnTx/>
-              <a:uFillTx/>
-              <a:latin typeface="微軟正黑體" pitchFamily="34" charset="-120"/>
-              <a:ea typeface="微軟正黑體" pitchFamily="34" charset="-120"/>
-              <a:cs typeface="+mj-cs"/>
-            </a:endParaRPr>
-          </a:p>
         </p:txBody>
       </p:sp>
     </p:spTree>
+    <p:extLst>
+      <p:ext uri="{BB962C8B-B14F-4D97-AF65-F5344CB8AC3E}">
+        <p14:creationId xmlns:p14="http://schemas.microsoft.com/office/powerpoint/2010/main" val="436117998"/>
+      </p:ext>
+    </p:extLst>
   </p:cSld>
   <p:clrMapOvr>
     <a:masterClrMapping/>
@@ -3604,13 +3331,13 @@
         </p:nvSpPr>
         <p:spPr>
           <a:xfrm>
-            <a:off x="0" y="242902"/>
-            <a:ext cx="9144000" cy="5257800"/>
+            <a:off x="0" y="2084851"/>
+            <a:ext cx="12192000" cy="2404863"/>
           </a:xfrm>
         </p:spPr>
         <p:txBody>
-          <a:bodyPr>
-            <a:noAutofit/>
+          <a:bodyPr anchor="ctr">
+            <a:normAutofit/>
           </a:bodyPr>
           <a:lstStyle/>
           <a:p>
@@ -3618,46 +3345,38 @@
               <a:buNone/>
             </a:pPr>
             <a:r>
-              <a:rPr lang="zh-TW" altLang="en-US" sz="5400" b="1" dirty="0" smtClean="0">
+              <a:rPr lang="zh-TW" altLang="en-US" sz="6400" b="1" dirty="0">
                 <a:solidFill>
                   <a:srgbClr val="000066"/>
                 </a:solidFill>
                 <a:latin typeface="微軟正黑體" pitchFamily="34" charset="-120"/>
                 <a:ea typeface="微軟正黑體" pitchFamily="34" charset="-120"/>
               </a:rPr>
-              <a:t>主</a:t>
-            </a:r>
-            <a:r>
-              <a:rPr lang="zh-TW" altLang="en-US" sz="5400" b="1" dirty="0" smtClean="0">
+              <a:t>祢的愛在我心  祢必與我同行</a:t>
+            </a:r>
+            <a:endParaRPr lang="en-US" altLang="zh-TW" sz="6400" b="1" dirty="0">
+              <a:solidFill>
+                <a:srgbClr val="000066"/>
+              </a:solidFill>
+              <a:latin typeface="微軟正黑體" pitchFamily="34" charset="-120"/>
+              <a:ea typeface="微軟正黑體" pitchFamily="34" charset="-120"/>
+            </a:endParaRPr>
+          </a:p>
+          <a:p>
+            <a:pPr algn="ctr">
+              <a:buNone/>
+            </a:pPr>
+            <a:r>
+              <a:rPr lang="zh-TW" altLang="en-US" sz="6400" b="1" dirty="0">
                 <a:solidFill>
                   <a:srgbClr val="000066"/>
                 </a:solidFill>
                 <a:latin typeface="微軟正黑體" pitchFamily="34" charset="-120"/>
                 <a:ea typeface="微軟正黑體" pitchFamily="34" charset="-120"/>
               </a:rPr>
-              <a:t>啊  我</a:t>
-            </a:r>
-            <a:r>
-              <a:rPr lang="zh-TW" altLang="en-US" sz="5400" b="1" dirty="0" smtClean="0">
-                <a:solidFill>
-                  <a:srgbClr val="000066"/>
-                </a:solidFill>
-                <a:latin typeface="微軟正黑體" pitchFamily="34" charset="-120"/>
-                <a:ea typeface="微軟正黑體" pitchFamily="34" charset="-120"/>
-              </a:rPr>
-              <a:t>要跟隨</a:t>
-            </a:r>
-            <a:r>
-              <a:rPr lang="zh-TW" altLang="en-US" sz="5400" b="1" dirty="0" smtClean="0">
-                <a:solidFill>
-                  <a:srgbClr val="000066"/>
-                </a:solidFill>
-                <a:latin typeface="微軟正黑體" pitchFamily="34" charset="-120"/>
-                <a:ea typeface="微軟正黑體" pitchFamily="34" charset="-120"/>
-              </a:rPr>
-              <a:t>你</a:t>
-            </a:r>
-            <a:endParaRPr lang="en-US" altLang="zh-TW" sz="5400" b="1" dirty="0" smtClean="0">
+              <a:t>牽我的手走下去</a:t>
+            </a:r>
+            <a:endParaRPr lang="en-US" altLang="zh-TW" sz="6400" b="1" dirty="0">
               <a:solidFill>
                 <a:srgbClr val="000066"/>
               </a:solidFill>
@@ -3665,216 +3384,14 @@
               <a:ea typeface="微軟正黑體" pitchFamily="34" charset="-120"/>
             </a:endParaRPr>
           </a:p>
-          <a:p>
-            <a:pPr algn="ctr">
-              <a:buNone/>
-            </a:pPr>
-            <a:r>
-              <a:rPr lang="zh-TW" altLang="en-US" sz="5400" b="1" dirty="0" smtClean="0">
-                <a:solidFill>
-                  <a:srgbClr val="000066"/>
-                </a:solidFill>
-                <a:latin typeface="微軟正黑體" pitchFamily="34" charset="-120"/>
-                <a:ea typeface="微軟正黑體" pitchFamily="34" charset="-120"/>
-              </a:rPr>
-              <a:t>將</a:t>
-            </a:r>
-            <a:r>
-              <a:rPr lang="zh-TW" altLang="en-US" sz="5400" b="1" dirty="0" smtClean="0">
-                <a:solidFill>
-                  <a:srgbClr val="000066"/>
-                </a:solidFill>
-                <a:latin typeface="微軟正黑體" pitchFamily="34" charset="-120"/>
-                <a:ea typeface="微軟正黑體" pitchFamily="34" charset="-120"/>
-              </a:rPr>
-              <a:t>我一生獻給</a:t>
-            </a:r>
-            <a:r>
-              <a:rPr lang="zh-TW" altLang="en-US" sz="5400" b="1" dirty="0" smtClean="0">
-                <a:solidFill>
-                  <a:srgbClr val="000066"/>
-                </a:solidFill>
-                <a:latin typeface="微軟正黑體" pitchFamily="34" charset="-120"/>
-                <a:ea typeface="微軟正黑體" pitchFamily="34" charset="-120"/>
-              </a:rPr>
-              <a:t>你</a:t>
-            </a:r>
-            <a:endParaRPr lang="en-US" altLang="zh-TW" sz="5400" b="1" dirty="0" smtClean="0">
-              <a:solidFill>
-                <a:srgbClr val="000066"/>
-              </a:solidFill>
-              <a:latin typeface="微軟正黑體" pitchFamily="34" charset="-120"/>
-              <a:ea typeface="微軟正黑體" pitchFamily="34" charset="-120"/>
-            </a:endParaRPr>
-          </a:p>
-          <a:p>
-            <a:pPr algn="ctr">
-              <a:buNone/>
-            </a:pPr>
-            <a:r>
-              <a:rPr lang="zh-TW" altLang="en-US" sz="5400" b="1" dirty="0" smtClean="0">
-                <a:solidFill>
-                  <a:srgbClr val="000066"/>
-                </a:solidFill>
-                <a:latin typeface="微軟正黑體" pitchFamily="34" charset="-120"/>
-                <a:ea typeface="微軟正黑體" pitchFamily="34" charset="-120"/>
-              </a:rPr>
-              <a:t>回應</a:t>
-            </a:r>
-            <a:r>
-              <a:rPr lang="zh-TW" altLang="en-US" sz="5400" b="1" dirty="0" smtClean="0">
-                <a:solidFill>
-                  <a:srgbClr val="000066"/>
-                </a:solidFill>
-                <a:latin typeface="微軟正黑體" pitchFamily="34" charset="-120"/>
-                <a:ea typeface="微軟正黑體" pitchFamily="34" charset="-120"/>
-              </a:rPr>
-              <a:t>你的呼召來愛</a:t>
-            </a:r>
-            <a:r>
-              <a:rPr lang="zh-TW" altLang="en-US" sz="5400" b="1" dirty="0" smtClean="0">
-                <a:solidFill>
-                  <a:srgbClr val="000066"/>
-                </a:solidFill>
-                <a:latin typeface="微軟正黑體" pitchFamily="34" charset="-120"/>
-                <a:ea typeface="微軟正黑體" pitchFamily="34" charset="-120"/>
-              </a:rPr>
-              <a:t>你</a:t>
-            </a:r>
-            <a:endParaRPr lang="en-US" altLang="zh-TW" sz="5400" b="1" dirty="0" smtClean="0">
-              <a:solidFill>
-                <a:srgbClr val="000066"/>
-              </a:solidFill>
-              <a:latin typeface="微軟正黑體" pitchFamily="34" charset="-120"/>
-              <a:ea typeface="微軟正黑體" pitchFamily="34" charset="-120"/>
-            </a:endParaRPr>
-          </a:p>
-          <a:p>
-            <a:pPr algn="ctr">
-              <a:buNone/>
-            </a:pPr>
-            <a:r>
-              <a:rPr lang="zh-TW" altLang="en-US" sz="5400" b="1" dirty="0" smtClean="0">
-                <a:solidFill>
-                  <a:srgbClr val="000066"/>
-                </a:solidFill>
-                <a:latin typeface="微軟正黑體" pitchFamily="34" charset="-120"/>
-                <a:ea typeface="微軟正黑體" pitchFamily="34" charset="-120"/>
-              </a:rPr>
-              <a:t>堅持</a:t>
-            </a:r>
-            <a:r>
-              <a:rPr lang="zh-TW" altLang="en-US" sz="5400" b="1" dirty="0" smtClean="0">
-                <a:solidFill>
-                  <a:srgbClr val="000066"/>
-                </a:solidFill>
-                <a:latin typeface="微軟正黑體" pitchFamily="34" charset="-120"/>
-                <a:ea typeface="微軟正黑體" pitchFamily="34" charset="-120"/>
-              </a:rPr>
-              <a:t>一生不偏離</a:t>
-            </a:r>
-            <a:endParaRPr lang="zh-TW" altLang="en-US" sz="5400" b="1" dirty="0">
-              <a:solidFill>
-                <a:srgbClr val="000066"/>
-              </a:solidFill>
-              <a:latin typeface="微軟正黑體" pitchFamily="34" charset="-120"/>
-              <a:ea typeface="微軟正黑體" pitchFamily="34" charset="-120"/>
-            </a:endParaRPr>
-          </a:p>
-        </p:txBody>
-      </p:sp>
-      <p:sp>
-        <p:nvSpPr>
-          <p:cNvPr id="7" name="標題 3"/>
-          <p:cNvSpPr txBox="1">
-            <a:spLocks/>
-          </p:cNvSpPr>
-          <p:nvPr/>
-        </p:nvSpPr>
-        <p:spPr>
-          <a:xfrm>
-            <a:off x="0" y="6500834"/>
-            <a:ext cx="2000232" cy="357166"/>
-          </a:xfrm>
-          <a:prstGeom prst="rect">
-            <a:avLst/>
-          </a:prstGeom>
-        </p:spPr>
-        <p:txBody>
-          <a:bodyPr vert="horz" lIns="91440" tIns="45720" rIns="91440" bIns="45720" rtlCol="0" anchor="ctr">
-            <a:normAutofit/>
-          </a:bodyPr>
-          <a:lstStyle/>
-          <a:p>
-            <a:pPr marL="0" marR="0" lvl="0" indent="0" algn="ctr" defTabSz="914400" rtl="0" eaLnBrk="1" fontAlgn="auto" latinLnBrk="0" hangingPunct="1">
-              <a:lnSpc>
-                <a:spcPct val="100000"/>
-              </a:lnSpc>
-              <a:spcBef>
-                <a:spcPct val="0"/>
-              </a:spcBef>
-              <a:spcAft>
-                <a:spcPts val="0"/>
-              </a:spcAft>
-              <a:buClrTx/>
-              <a:buSzTx/>
-              <a:buFontTx/>
-              <a:buNone/>
-              <a:tabLst/>
-              <a:defRPr/>
-            </a:pPr>
-            <a:r>
-              <a:rPr kumimoji="0" lang="zh-CN" altLang="en-US" sz="1500" b="1" i="0" u="none" strike="noStrike" kern="1200" cap="none" spc="0" normalizeH="0" baseline="0" noProof="0" dirty="0" smtClean="0">
-                <a:ln>
-                  <a:noFill/>
-                </a:ln>
-                <a:solidFill>
-                  <a:srgbClr val="000066"/>
-                </a:solidFill>
-                <a:effectLst/>
-                <a:uLnTx/>
-                <a:uFillTx/>
-                <a:latin typeface="微軟正黑體" pitchFamily="34" charset="-120"/>
-                <a:ea typeface="微軟正黑體" pitchFamily="34" charset="-120"/>
-                <a:cs typeface="+mj-cs"/>
-              </a:rPr>
-              <a:t>主啊我要跟隨你</a:t>
-            </a:r>
-            <a:r>
-              <a:rPr kumimoji="0" lang="en-US" altLang="zh-CN" sz="1500" b="1" i="0" u="none" strike="noStrike" kern="1200" cap="none" spc="0" normalizeH="0" baseline="0" noProof="0" dirty="0" smtClean="0">
-                <a:ln>
-                  <a:noFill/>
-                </a:ln>
-                <a:solidFill>
-                  <a:srgbClr val="000066"/>
-                </a:solidFill>
-                <a:effectLst/>
-                <a:uLnTx/>
-                <a:uFillTx/>
-                <a:latin typeface="微軟正黑體" pitchFamily="34" charset="-120"/>
-                <a:ea typeface="微軟正黑體" pitchFamily="34" charset="-120"/>
-                <a:cs typeface="+mj-cs"/>
-              </a:rPr>
-              <a:t>3/4</a:t>
-            </a:r>
-            <a:endParaRPr kumimoji="0" lang="zh-TW" altLang="en-US" sz="1500" b="1" i="0" u="none" strike="noStrike" kern="1200" cap="none" spc="0" normalizeH="0" baseline="0" noProof="0" dirty="0">
-              <a:ln>
-                <a:noFill/>
-              </a:ln>
-              <a:solidFill>
-                <a:srgbClr val="000066"/>
-              </a:solidFill>
-              <a:effectLst/>
-              <a:uLnTx/>
-              <a:uFillTx/>
-              <a:latin typeface="微軟正黑體" pitchFamily="34" charset="-120"/>
-              <a:ea typeface="微軟正黑體" pitchFamily="34" charset="-120"/>
-              <a:cs typeface="+mj-cs"/>
-            </a:endParaRPr>
-          </a:p>
         </p:txBody>
       </p:sp>
     </p:spTree>
+    <p:extLst>
+      <p:ext uri="{BB962C8B-B14F-4D97-AF65-F5344CB8AC3E}">
+        <p14:creationId xmlns:p14="http://schemas.microsoft.com/office/powerpoint/2010/main" val="1300073208"/>
+      </p:ext>
+    </p:extLst>
   </p:cSld>
   <p:clrMapOvr>
     <a:masterClrMapping/>
@@ -3911,13 +3428,13 @@
         </p:nvSpPr>
         <p:spPr>
           <a:xfrm>
-            <a:off x="0" y="242902"/>
-            <a:ext cx="9144000" cy="5257800"/>
+            <a:off x="0" y="2084851"/>
+            <a:ext cx="12192000" cy="2404863"/>
           </a:xfrm>
         </p:spPr>
         <p:txBody>
-          <a:bodyPr>
-            <a:noAutofit/>
+          <a:bodyPr anchor="ctr">
+            <a:normAutofit/>
           </a:bodyPr>
           <a:lstStyle/>
           <a:p>
@@ -3925,46 +3442,135 @@
               <a:buNone/>
             </a:pPr>
             <a:r>
-              <a:rPr lang="zh-TW" altLang="en-US" sz="5400" b="1" dirty="0" smtClean="0">
+              <a:rPr lang="zh-TW" altLang="en-US" sz="6400" b="1" dirty="0">
                 <a:solidFill>
                   <a:srgbClr val="000066"/>
                 </a:solidFill>
                 <a:latin typeface="微軟正黑體" pitchFamily="34" charset="-120"/>
                 <a:ea typeface="微軟正黑體" pitchFamily="34" charset="-120"/>
               </a:rPr>
-              <a:t>主</a:t>
-            </a:r>
-            <a:r>
-              <a:rPr lang="zh-TW" altLang="en-US" sz="5400" b="1" dirty="0" smtClean="0">
+              <a:t>主啊  我要跟隨祢</a:t>
+            </a:r>
+            <a:endParaRPr lang="en-US" altLang="zh-TW" sz="6400" b="1" dirty="0">
+              <a:solidFill>
+                <a:srgbClr val="000066"/>
+              </a:solidFill>
+              <a:latin typeface="微軟正黑體" pitchFamily="34" charset="-120"/>
+              <a:ea typeface="微軟正黑體" pitchFamily="34" charset="-120"/>
+            </a:endParaRPr>
+          </a:p>
+          <a:p>
+            <a:pPr algn="ctr">
+              <a:buNone/>
+            </a:pPr>
+            <a:r>
+              <a:rPr lang="zh-TW" altLang="en-US" sz="6400" b="1" dirty="0">
                 <a:solidFill>
                   <a:srgbClr val="000066"/>
                 </a:solidFill>
                 <a:latin typeface="微軟正黑體" pitchFamily="34" charset="-120"/>
                 <a:ea typeface="微軟正黑體" pitchFamily="34" charset="-120"/>
               </a:rPr>
-              <a:t>啊  我</a:t>
-            </a:r>
-            <a:r>
-              <a:rPr lang="zh-TW" altLang="en-US" sz="5400" b="1" dirty="0" smtClean="0">
+              <a:t>將我一生獻給祢</a:t>
+            </a:r>
+            <a:endParaRPr lang="en-US" altLang="zh-TW" sz="6400" b="1" dirty="0">
+              <a:solidFill>
+                <a:srgbClr val="000066"/>
+              </a:solidFill>
+              <a:latin typeface="微軟正黑體" pitchFamily="34" charset="-120"/>
+              <a:ea typeface="微軟正黑體" pitchFamily="34" charset="-120"/>
+            </a:endParaRPr>
+          </a:p>
+        </p:txBody>
+      </p:sp>
+    </p:spTree>
+    <p:extLst>
+      <p:ext uri="{BB962C8B-B14F-4D97-AF65-F5344CB8AC3E}">
+        <p14:creationId xmlns:p14="http://schemas.microsoft.com/office/powerpoint/2010/main" val="4195261917"/>
+      </p:ext>
+    </p:extLst>
+  </p:cSld>
+  <p:clrMapOvr>
+    <a:masterClrMapping/>
+  </p:clrMapOvr>
+</p:sld>
+</file>
+
+<file path=ppt/slides/slide5.xml><?xml version="1.0" encoding="utf-8"?>
+<p:sld xmlns:a="http://schemas.openxmlformats.org/drawingml/2006/main" xmlns:r="http://schemas.openxmlformats.org/officeDocument/2006/relationships" xmlns:p="http://schemas.openxmlformats.org/presentationml/2006/main">
+  <p:cSld>
+    <p:spTree>
+      <p:nvGrpSpPr>
+        <p:cNvPr id="1" name=""/>
+        <p:cNvGrpSpPr/>
+        <p:nvPr/>
+      </p:nvGrpSpPr>
+      <p:grpSpPr>
+        <a:xfrm>
+          <a:off x="0" y="0"/>
+          <a:ext cx="0" cy="0"/>
+          <a:chOff x="0" y="0"/>
+          <a:chExt cx="0" cy="0"/>
+        </a:xfrm>
+      </p:grpSpPr>
+      <p:sp>
+        <p:nvSpPr>
+          <p:cNvPr id="5" name="內容版面配置區 4"/>
+          <p:cNvSpPr>
+            <a:spLocks noGrp="1"/>
+          </p:cNvSpPr>
+          <p:nvPr>
+            <p:ph idx="1"/>
+          </p:nvPr>
+        </p:nvSpPr>
+        <p:spPr>
+          <a:xfrm>
+            <a:off x="0" y="2084851"/>
+            <a:ext cx="12192000" cy="2404863"/>
+          </a:xfrm>
+        </p:spPr>
+        <p:txBody>
+          <a:bodyPr anchor="ctr">
+            <a:normAutofit/>
+          </a:bodyPr>
+          <a:lstStyle/>
+          <a:p>
+            <a:pPr algn="ctr">
+              <a:buNone/>
+            </a:pPr>
+            <a:r>
+              <a:rPr lang="zh-TW" altLang="en-US" sz="6400" b="1" dirty="0">
                 <a:solidFill>
                   <a:srgbClr val="000066"/>
                 </a:solidFill>
                 <a:latin typeface="微軟正黑體" pitchFamily="34" charset="-120"/>
                 <a:ea typeface="微軟正黑體" pitchFamily="34" charset="-120"/>
               </a:rPr>
-              <a:t>要跟隨</a:t>
-            </a:r>
-            <a:r>
-              <a:rPr lang="zh-TW" altLang="en-US" sz="5400" b="1" dirty="0" smtClean="0">
+              <a:t>回應祢的呼召來愛祢</a:t>
+            </a:r>
+            <a:endParaRPr lang="en-US" altLang="zh-TW" sz="6400" b="1" dirty="0">
+              <a:solidFill>
+                <a:srgbClr val="000066"/>
+              </a:solidFill>
+              <a:latin typeface="微軟正黑體" pitchFamily="34" charset="-120"/>
+              <a:ea typeface="微軟正黑體" pitchFamily="34" charset="-120"/>
+            </a:endParaRPr>
+          </a:p>
+          <a:p>
+            <a:pPr algn="ctr">
+              <a:buNone/>
+            </a:pPr>
+            <a:r>
+              <a:rPr lang="zh-TW" altLang="en-US" sz="6400" b="1" dirty="0">
                 <a:solidFill>
                   <a:srgbClr val="000066"/>
                 </a:solidFill>
                 <a:latin typeface="微軟正黑體" pitchFamily="34" charset="-120"/>
                 <a:ea typeface="微軟正黑體" pitchFamily="34" charset="-120"/>
               </a:rPr>
-              <a:t>你</a:t>
-            </a:r>
-            <a:endParaRPr lang="en-US" altLang="zh-TW" sz="5400" b="1" dirty="0" smtClean="0">
+              <a:t>堅持一生不偏離</a:t>
+            </a:r>
+            <a:endParaRPr lang="en-US" altLang="zh-TW" sz="6400" b="1" dirty="0">
               <a:solidFill>
                 <a:srgbClr val="000066"/>
               </a:solidFill>
@@ -3972,41 +3578,171 @@
               <a:ea typeface="微軟正黑體" pitchFamily="34" charset="-120"/>
             </a:endParaRPr>
           </a:p>
+        </p:txBody>
+      </p:sp>
+    </p:spTree>
+    <p:extLst>
+      <p:ext uri="{BB962C8B-B14F-4D97-AF65-F5344CB8AC3E}">
+        <p14:creationId xmlns:p14="http://schemas.microsoft.com/office/powerpoint/2010/main" val="2209926263"/>
+      </p:ext>
+    </p:extLst>
+  </p:cSld>
+  <p:clrMapOvr>
+    <a:masterClrMapping/>
+  </p:clrMapOvr>
+</p:sld>
+</file>
+
+<file path=ppt/slides/slide6.xml><?xml version="1.0" encoding="utf-8"?>
+<p:sld xmlns:a="http://schemas.openxmlformats.org/drawingml/2006/main" xmlns:r="http://schemas.openxmlformats.org/officeDocument/2006/relationships" xmlns:p="http://schemas.openxmlformats.org/presentationml/2006/main">
+  <p:cSld>
+    <p:spTree>
+      <p:nvGrpSpPr>
+        <p:cNvPr id="1" name=""/>
+        <p:cNvGrpSpPr/>
+        <p:nvPr/>
+      </p:nvGrpSpPr>
+      <p:grpSpPr>
+        <a:xfrm>
+          <a:off x="0" y="0"/>
+          <a:ext cx="0" cy="0"/>
+          <a:chOff x="0" y="0"/>
+          <a:chExt cx="0" cy="0"/>
+        </a:xfrm>
+      </p:grpSpPr>
+      <p:sp>
+        <p:nvSpPr>
+          <p:cNvPr id="5" name="內容版面配置區 4"/>
+          <p:cNvSpPr>
+            <a:spLocks noGrp="1"/>
+          </p:cNvSpPr>
+          <p:nvPr>
+            <p:ph idx="1"/>
+          </p:nvPr>
+        </p:nvSpPr>
+        <p:spPr>
+          <a:xfrm>
+            <a:off x="0" y="2084851"/>
+            <a:ext cx="12192000" cy="2404863"/>
+          </a:xfrm>
+        </p:spPr>
+        <p:txBody>
+          <a:bodyPr anchor="ctr">
+            <a:normAutofit/>
+          </a:bodyPr>
+          <a:lstStyle/>
           <a:p>
             <a:pPr algn="ctr">
               <a:buNone/>
             </a:pPr>
             <a:r>
-              <a:rPr lang="zh-TW" altLang="en-US" sz="5400" b="1" dirty="0" smtClean="0">
+              <a:rPr lang="zh-TW" altLang="en-US" sz="6400" b="1" dirty="0">
                 <a:solidFill>
                   <a:srgbClr val="000066"/>
                 </a:solidFill>
                 <a:latin typeface="微軟正黑體" pitchFamily="34" charset="-120"/>
                 <a:ea typeface="微軟正黑體" pitchFamily="34" charset="-120"/>
               </a:rPr>
-              <a:t>將</a:t>
-            </a:r>
-            <a:r>
-              <a:rPr lang="zh-TW" altLang="en-US" sz="5400" b="1" dirty="0" smtClean="0">
+              <a:t>主啊  我要跟隨祢</a:t>
+            </a:r>
+            <a:endParaRPr lang="en-US" altLang="zh-TW" sz="6400" b="1" dirty="0">
+              <a:solidFill>
+                <a:srgbClr val="000066"/>
+              </a:solidFill>
+              <a:latin typeface="微軟正黑體" pitchFamily="34" charset="-120"/>
+              <a:ea typeface="微軟正黑體" pitchFamily="34" charset="-120"/>
+            </a:endParaRPr>
+          </a:p>
+          <a:p>
+            <a:pPr algn="ctr">
+              <a:buNone/>
+            </a:pPr>
+            <a:r>
+              <a:rPr lang="zh-TW" altLang="en-US" sz="6400" b="1" dirty="0">
                 <a:solidFill>
                   <a:srgbClr val="000066"/>
                 </a:solidFill>
                 <a:latin typeface="微軟正黑體" pitchFamily="34" charset="-120"/>
                 <a:ea typeface="微軟正黑體" pitchFamily="34" charset="-120"/>
               </a:rPr>
-              <a:t>我一生獻給</a:t>
-            </a:r>
-            <a:r>
-              <a:rPr lang="zh-TW" altLang="en-US" sz="5400" b="1" dirty="0" smtClean="0">
+              <a:t>將我一生獻給祢</a:t>
+            </a:r>
+            <a:endParaRPr lang="en-US" altLang="zh-TW" sz="6400" b="1" dirty="0">
+              <a:solidFill>
+                <a:srgbClr val="000066"/>
+              </a:solidFill>
+              <a:latin typeface="微軟正黑體" pitchFamily="34" charset="-120"/>
+              <a:ea typeface="微軟正黑體" pitchFamily="34" charset="-120"/>
+            </a:endParaRPr>
+          </a:p>
+        </p:txBody>
+      </p:sp>
+    </p:spTree>
+    <p:extLst>
+      <p:ext uri="{BB962C8B-B14F-4D97-AF65-F5344CB8AC3E}">
+        <p14:creationId xmlns:p14="http://schemas.microsoft.com/office/powerpoint/2010/main" val="663556807"/>
+      </p:ext>
+    </p:extLst>
+  </p:cSld>
+  <p:clrMapOvr>
+    <a:masterClrMapping/>
+  </p:clrMapOvr>
+</p:sld>
+</file>
+
+<file path=ppt/slides/slide7.xml><?xml version="1.0" encoding="utf-8"?>
+<p:sld xmlns:a="http://schemas.openxmlformats.org/drawingml/2006/main" xmlns:r="http://schemas.openxmlformats.org/officeDocument/2006/relationships" xmlns:p="http://schemas.openxmlformats.org/presentationml/2006/main">
+  <p:cSld>
+    <p:spTree>
+      <p:nvGrpSpPr>
+        <p:cNvPr id="1" name=""/>
+        <p:cNvGrpSpPr/>
+        <p:nvPr/>
+      </p:nvGrpSpPr>
+      <p:grpSpPr>
+        <a:xfrm>
+          <a:off x="0" y="0"/>
+          <a:ext cx="0" cy="0"/>
+          <a:chOff x="0" y="0"/>
+          <a:chExt cx="0" cy="0"/>
+        </a:xfrm>
+      </p:grpSpPr>
+      <p:sp>
+        <p:nvSpPr>
+          <p:cNvPr id="5" name="內容版面配置區 4"/>
+          <p:cNvSpPr>
+            <a:spLocks noGrp="1"/>
+          </p:cNvSpPr>
+          <p:nvPr>
+            <p:ph idx="1"/>
+          </p:nvPr>
+        </p:nvSpPr>
+        <p:spPr>
+          <a:xfrm>
+            <a:off x="0" y="2084851"/>
+            <a:ext cx="12192000" cy="2404863"/>
+          </a:xfrm>
+        </p:spPr>
+        <p:txBody>
+          <a:bodyPr anchor="ctr">
+            <a:normAutofit/>
+          </a:bodyPr>
+          <a:lstStyle/>
+          <a:p>
+            <a:pPr algn="ctr">
+              <a:buNone/>
+            </a:pPr>
+            <a:r>
+              <a:rPr lang="zh-CN" altLang="en-US" sz="6400" b="1" dirty="0">
                 <a:solidFill>
                   <a:srgbClr val="000066"/>
                 </a:solidFill>
                 <a:latin typeface="微軟正黑體" pitchFamily="34" charset="-120"/>
                 <a:ea typeface="微軟正黑體" pitchFamily="34" charset="-120"/>
               </a:rPr>
-              <a:t>你</a:t>
-            </a:r>
-            <a:endParaRPr lang="en-US" altLang="zh-TW" sz="5400" b="1" dirty="0" smtClean="0">
+              <a:t>求祢用我做祢的器皿</a:t>
+            </a:r>
+            <a:endParaRPr lang="en-US" altLang="zh-CN" sz="6400" b="1" dirty="0">
               <a:solidFill>
                 <a:srgbClr val="000066"/>
               </a:solidFill>
@@ -4019,36 +3755,16 @@
               <a:buNone/>
             </a:pPr>
             <a:r>
-              <a:rPr lang="zh-TW" altLang="en-US" sz="5400" b="1" dirty="0" smtClean="0">
+              <a:rPr lang="zh-CN" altLang="en-US" sz="6400" b="1" dirty="0">
                 <a:solidFill>
                   <a:srgbClr val="000066"/>
                 </a:solidFill>
                 <a:latin typeface="微軟正黑體" pitchFamily="34" charset="-120"/>
                 <a:ea typeface="微軟正黑體" pitchFamily="34" charset="-120"/>
               </a:rPr>
-              <a:t>求</a:t>
-            </a:r>
-            <a:r>
-              <a:rPr lang="zh-TW" altLang="en-US" sz="5400" b="1" dirty="0" smtClean="0">
-                <a:solidFill>
-                  <a:srgbClr val="000066"/>
-                </a:solidFill>
-                <a:latin typeface="微軟正黑體" pitchFamily="34" charset="-120"/>
-                <a:ea typeface="微軟正黑體" pitchFamily="34" charset="-120"/>
-              </a:rPr>
-              <a:t>你用我做你的</a:t>
-            </a:r>
-            <a:r>
-              <a:rPr lang="zh-TW" altLang="en-US" sz="5400" b="1" dirty="0" smtClean="0">
-                <a:solidFill>
-                  <a:srgbClr val="000066"/>
-                </a:solidFill>
-                <a:latin typeface="微軟正黑體" pitchFamily="34" charset="-120"/>
-                <a:ea typeface="微軟正黑體" pitchFamily="34" charset="-120"/>
-              </a:rPr>
-              <a:t>器皿</a:t>
-            </a:r>
-            <a:endParaRPr lang="en-US" altLang="zh-TW" sz="5400" b="1" dirty="0" smtClean="0">
+              <a:t>將祢的愛分享出去</a:t>
+            </a:r>
+            <a:endParaRPr lang="en-US" altLang="zh-TW" sz="6400" b="1" dirty="0">
               <a:solidFill>
                 <a:srgbClr val="000066"/>
               </a:solidFill>
@@ -4056,132 +3772,14 @@
               <a:ea typeface="微軟正黑體" pitchFamily="34" charset="-120"/>
             </a:endParaRPr>
           </a:p>
-          <a:p>
-            <a:pPr algn="ctr">
-              <a:buNone/>
-            </a:pPr>
-            <a:r>
-              <a:rPr lang="zh-TW" altLang="en-US" sz="5400" b="1" dirty="0" smtClean="0">
-                <a:solidFill>
-                  <a:srgbClr val="000066"/>
-                </a:solidFill>
-                <a:latin typeface="微軟正黑體" pitchFamily="34" charset="-120"/>
-                <a:ea typeface="微軟正黑體" pitchFamily="34" charset="-120"/>
-              </a:rPr>
-              <a:t>將</a:t>
-            </a:r>
-            <a:r>
-              <a:rPr lang="zh-TW" altLang="en-US" sz="5400" b="1" dirty="0" smtClean="0">
-                <a:solidFill>
-                  <a:srgbClr val="000066"/>
-                </a:solidFill>
-                <a:latin typeface="微軟正黑體" pitchFamily="34" charset="-120"/>
-                <a:ea typeface="微軟正黑體" pitchFamily="34" charset="-120"/>
-              </a:rPr>
-              <a:t>你的愛分享出去</a:t>
-            </a:r>
-            <a:endParaRPr lang="zh-TW" altLang="en-US" sz="5400" b="1" dirty="0">
-              <a:solidFill>
-                <a:srgbClr val="000066"/>
-              </a:solidFill>
-              <a:latin typeface="微軟正黑體" pitchFamily="34" charset="-120"/>
-              <a:ea typeface="微軟正黑體" pitchFamily="34" charset="-120"/>
-            </a:endParaRPr>
-          </a:p>
-        </p:txBody>
-      </p:sp>
-      <p:sp>
-        <p:nvSpPr>
-          <p:cNvPr id="3" name="標題 3"/>
-          <p:cNvSpPr txBox="1">
-            <a:spLocks/>
-          </p:cNvSpPr>
-          <p:nvPr/>
-        </p:nvSpPr>
-        <p:spPr>
-          <a:xfrm>
-            <a:off x="0" y="6500834"/>
-            <a:ext cx="2000232" cy="357166"/>
-          </a:xfrm>
-          <a:prstGeom prst="rect">
-            <a:avLst/>
-          </a:prstGeom>
-        </p:spPr>
-        <p:txBody>
-          <a:bodyPr vert="horz" lIns="91440" tIns="45720" rIns="91440" bIns="45720" rtlCol="0" anchor="ctr">
-            <a:normAutofit/>
-          </a:bodyPr>
-          <a:lstStyle/>
-          <a:p>
-            <a:pPr marL="0" marR="0" lvl="0" indent="0" algn="ctr" defTabSz="914400" rtl="0" eaLnBrk="1" fontAlgn="auto" latinLnBrk="0" hangingPunct="1">
-              <a:lnSpc>
-                <a:spcPct val="100000"/>
-              </a:lnSpc>
-              <a:spcBef>
-                <a:spcPct val="0"/>
-              </a:spcBef>
-              <a:spcAft>
-                <a:spcPts val="0"/>
-              </a:spcAft>
-              <a:buClrTx/>
-              <a:buSzTx/>
-              <a:buFontTx/>
-              <a:buNone/>
-              <a:tabLst/>
-              <a:defRPr/>
-            </a:pPr>
-            <a:r>
-              <a:rPr kumimoji="0" lang="zh-CN" altLang="en-US" sz="1500" b="1" i="0" u="none" strike="noStrike" kern="1200" cap="none" spc="0" normalizeH="0" baseline="0" noProof="0" dirty="0" smtClean="0">
-                <a:ln>
-                  <a:noFill/>
-                </a:ln>
-                <a:solidFill>
-                  <a:srgbClr val="000066"/>
-                </a:solidFill>
-                <a:effectLst/>
-                <a:uLnTx/>
-                <a:uFillTx/>
-                <a:latin typeface="微軟正黑體" pitchFamily="34" charset="-120"/>
-                <a:ea typeface="微軟正黑體" pitchFamily="34" charset="-120"/>
-                <a:cs typeface="+mj-cs"/>
-              </a:rPr>
-              <a:t>主啊我要跟隨你</a:t>
-            </a:r>
-            <a:r>
-              <a:rPr kumimoji="0" lang="en-US" altLang="zh-CN" sz="1500" b="1" i="0" u="none" strike="noStrike" kern="1200" cap="none" spc="0" normalizeH="0" baseline="0" noProof="0" smtClean="0">
-                <a:ln>
-                  <a:noFill/>
-                </a:ln>
-                <a:solidFill>
-                  <a:srgbClr val="000066"/>
-                </a:solidFill>
-                <a:effectLst/>
-                <a:uLnTx/>
-                <a:uFillTx/>
-                <a:latin typeface="微軟正黑體" pitchFamily="34" charset="-120"/>
-                <a:ea typeface="微軟正黑體" pitchFamily="34" charset="-120"/>
-                <a:cs typeface="+mj-cs"/>
-              </a:rPr>
-              <a:t>4/4</a:t>
-            </a:r>
-            <a:endParaRPr kumimoji="0" lang="zh-TW" altLang="en-US" sz="1500" b="1" i="0" u="none" strike="noStrike" kern="1200" cap="none" spc="0" normalizeH="0" baseline="0" noProof="0" dirty="0">
-              <a:ln>
-                <a:noFill/>
-              </a:ln>
-              <a:solidFill>
-                <a:srgbClr val="000066"/>
-              </a:solidFill>
-              <a:effectLst/>
-              <a:uLnTx/>
-              <a:uFillTx/>
-              <a:latin typeface="微軟正黑體" pitchFamily="34" charset="-120"/>
-              <a:ea typeface="微軟正黑體" pitchFamily="34" charset="-120"/>
-              <a:cs typeface="+mj-cs"/>
-            </a:endParaRPr>
-          </a:p>
         </p:txBody>
       </p:sp>
     </p:spTree>
+    <p:extLst>
+      <p:ext uri="{BB962C8B-B14F-4D97-AF65-F5344CB8AC3E}">
+        <p14:creationId xmlns:p14="http://schemas.microsoft.com/office/powerpoint/2010/main" val="3356897278"/>
+      </p:ext>
+    </p:extLst>
   </p:cSld>
   <p:clrMapOvr>
     <a:masterClrMapping/>

--- a/主啊我要跟隨你(崇拜版).pptx
+++ b/主啊我要跟隨你(崇拜版).pptx
@@ -310,7 +310,7 @@
           <a:p>
             <a:fld id="{0F79CCE4-873A-4F33-8A56-71EE1A5A8300}" type="datetimeFigureOut">
               <a:rPr lang="zh-TW" altLang="en-US" smtClean="0"/>
-              <a:t>2020/11/14</a:t>
+              <a:t>2022/3/11</a:t>
             </a:fld>
             <a:endParaRPr lang="zh-TW" altLang="en-US"/>
           </a:p>
@@ -475,7 +475,7 @@
           <a:p>
             <a:fld id="{0F79CCE4-873A-4F33-8A56-71EE1A5A8300}" type="datetimeFigureOut">
               <a:rPr lang="zh-TW" altLang="en-US" smtClean="0"/>
-              <a:t>2020/11/14</a:t>
+              <a:t>2022/3/11</a:t>
             </a:fld>
             <a:endParaRPr lang="zh-TW" altLang="en-US"/>
           </a:p>
@@ -650,7 +650,7 @@
           <a:p>
             <a:fld id="{0F79CCE4-873A-4F33-8A56-71EE1A5A8300}" type="datetimeFigureOut">
               <a:rPr lang="zh-TW" altLang="en-US" smtClean="0"/>
-              <a:t>2020/11/14</a:t>
+              <a:t>2022/3/11</a:t>
             </a:fld>
             <a:endParaRPr lang="zh-TW" altLang="en-US"/>
           </a:p>
@@ -815,7 +815,7 @@
           <a:p>
             <a:fld id="{0F79CCE4-873A-4F33-8A56-71EE1A5A8300}" type="datetimeFigureOut">
               <a:rPr lang="zh-TW" altLang="en-US" smtClean="0"/>
-              <a:t>2020/11/14</a:t>
+              <a:t>2022/3/11</a:t>
             </a:fld>
             <a:endParaRPr lang="zh-TW" altLang="en-US"/>
           </a:p>
@@ -1056,7 +1056,7 @@
           <a:p>
             <a:fld id="{0F79CCE4-873A-4F33-8A56-71EE1A5A8300}" type="datetimeFigureOut">
               <a:rPr lang="zh-TW" altLang="en-US" smtClean="0"/>
-              <a:t>2020/11/14</a:t>
+              <a:t>2022/3/11</a:t>
             </a:fld>
             <a:endParaRPr lang="zh-TW" altLang="en-US"/>
           </a:p>
@@ -1339,7 +1339,7 @@
           <a:p>
             <a:fld id="{0F79CCE4-873A-4F33-8A56-71EE1A5A8300}" type="datetimeFigureOut">
               <a:rPr lang="zh-TW" altLang="en-US" smtClean="0"/>
-              <a:t>2020/11/14</a:t>
+              <a:t>2022/3/11</a:t>
             </a:fld>
             <a:endParaRPr lang="zh-TW" altLang="en-US"/>
           </a:p>
@@ -1756,7 +1756,7 @@
           <a:p>
             <a:fld id="{0F79CCE4-873A-4F33-8A56-71EE1A5A8300}" type="datetimeFigureOut">
               <a:rPr lang="zh-TW" altLang="en-US" smtClean="0"/>
-              <a:t>2020/11/14</a:t>
+              <a:t>2022/3/11</a:t>
             </a:fld>
             <a:endParaRPr lang="zh-TW" altLang="en-US"/>
           </a:p>
@@ -1869,7 +1869,7 @@
           <a:p>
             <a:fld id="{0F79CCE4-873A-4F33-8A56-71EE1A5A8300}" type="datetimeFigureOut">
               <a:rPr lang="zh-TW" altLang="en-US" smtClean="0"/>
-              <a:t>2020/11/14</a:t>
+              <a:t>2022/3/11</a:t>
             </a:fld>
             <a:endParaRPr lang="zh-TW" altLang="en-US"/>
           </a:p>
@@ -1959,7 +1959,7 @@
           <a:p>
             <a:fld id="{0F79CCE4-873A-4F33-8A56-71EE1A5A8300}" type="datetimeFigureOut">
               <a:rPr lang="zh-TW" altLang="en-US" smtClean="0"/>
-              <a:t>2020/11/14</a:t>
+              <a:t>2022/3/11</a:t>
             </a:fld>
             <a:endParaRPr lang="zh-TW" altLang="en-US"/>
           </a:p>
@@ -2231,7 +2231,7 @@
           <a:p>
             <a:fld id="{0F79CCE4-873A-4F33-8A56-71EE1A5A8300}" type="datetimeFigureOut">
               <a:rPr lang="zh-TW" altLang="en-US" smtClean="0"/>
-              <a:t>2020/11/14</a:t>
+              <a:t>2022/3/11</a:t>
             </a:fld>
             <a:endParaRPr lang="zh-TW" altLang="en-US"/>
           </a:p>
@@ -2483,7 +2483,7 @@
           <a:p>
             <a:fld id="{0F79CCE4-873A-4F33-8A56-71EE1A5A8300}" type="datetimeFigureOut">
               <a:rPr lang="zh-TW" altLang="en-US" smtClean="0"/>
-              <a:t>2020/11/14</a:t>
+              <a:t>2022/3/11</a:t>
             </a:fld>
             <a:endParaRPr lang="zh-TW" altLang="en-US"/>
           </a:p>
@@ -2696,7 +2696,7 @@
           <a:p>
             <a:fld id="{0F79CCE4-873A-4F33-8A56-71EE1A5A8300}" type="datetimeFigureOut">
               <a:rPr lang="zh-TW" altLang="en-US" smtClean="0"/>
-              <a:t>2020/11/14</a:t>
+              <a:t>2022/3/11</a:t>
             </a:fld>
             <a:endParaRPr lang="zh-TW" altLang="en-US"/>
           </a:p>
@@ -3089,7 +3089,7 @@
           <a:lstStyle/>
           <a:p>
             <a:r>
-              <a:rPr lang="zh-CN" altLang="en-US" sz="7200" b="1" i="1" dirty="0">
+              <a:rPr lang="zh-CN" altLang="en-US" sz="7200" b="1" i="1">
                 <a:solidFill>
                   <a:srgbClr val="000066"/>
                 </a:solidFill>
@@ -3103,7 +3103,41 @@
                 <a:latin typeface="微軟正黑體" pitchFamily="34" charset="-120"/>
                 <a:ea typeface="微軟正黑體" pitchFamily="34" charset="-120"/>
               </a:rPr>
-              <a:t>主啊我要跟隨袮</a:t>
+              <a:t>主</a:t>
+            </a:r>
+            <a:r>
+              <a:rPr lang="zh-CN" altLang="en-US" sz="7200" b="1" i="1" smtClean="0">
+                <a:solidFill>
+                  <a:srgbClr val="000066"/>
+                </a:solidFill>
+                <a:effectLst>
+                  <a:outerShdw blurRad="38100" dist="38100" dir="2700000" algn="tl">
+                    <a:srgbClr val="000000">
+                      <a:alpha val="43137"/>
+                    </a:srgbClr>
+                  </a:outerShdw>
+                </a:effectLst>
+                <a:latin typeface="微軟正黑體" pitchFamily="34" charset="-120"/>
+                <a:ea typeface="微軟正黑體" pitchFamily="34" charset="-120"/>
+              </a:rPr>
+              <a:t>啊！我</a:t>
+            </a:r>
+            <a:r>
+              <a:rPr lang="zh-CN" altLang="en-US" sz="7200" b="1" i="1" dirty="0">
+                <a:solidFill>
+                  <a:srgbClr val="000066"/>
+                </a:solidFill>
+                <a:effectLst>
+                  <a:outerShdw blurRad="38100" dist="38100" dir="2700000" algn="tl">
+                    <a:srgbClr val="000000">
+                      <a:alpha val="43137"/>
+                    </a:srgbClr>
+                  </a:outerShdw>
+                </a:effectLst>
+                <a:latin typeface="微軟正黑體" pitchFamily="34" charset="-120"/>
+                <a:ea typeface="微軟正黑體" pitchFamily="34" charset="-120"/>
+              </a:rPr>
+              <a:t>要跟隨袮</a:t>
             </a:r>
             <a:endParaRPr lang="zh-TW" altLang="en-US" sz="7200" b="1" i="1" dirty="0">
               <a:solidFill>
@@ -3289,6 +3323,72 @@
           </a:p>
         </p:txBody>
       </p:sp>
+      <p:sp>
+        <p:nvSpPr>
+          <p:cNvPr id="3" name="TextBox 2"/>
+          <p:cNvSpPr txBox="1"/>
+          <p:nvPr/>
+        </p:nvSpPr>
+        <p:spPr>
+          <a:xfrm>
+            <a:off x="0" y="5157192"/>
+            <a:ext cx="12192000" cy="769441"/>
+          </a:xfrm>
+          <a:prstGeom prst="rect">
+            <a:avLst/>
+          </a:prstGeom>
+          <a:noFill/>
+        </p:spPr>
+        <p:txBody>
+          <a:bodyPr wrap="square" rtlCol="0" anchor="ctr">
+            <a:spAutoFit/>
+          </a:bodyPr>
+          <a:lstStyle/>
+          <a:p>
+            <a:pPr algn="ctr"/>
+            <a:r>
+              <a:rPr lang="en-US" sz="4400" b="1" dirty="0">
+                <a:solidFill>
+                  <a:srgbClr val="000066"/>
+                </a:solidFill>
+                <a:effectLst/>
+                <a:latin typeface="Microsoft JhengHei" panose="020B0604030504040204" pitchFamily="34" charset="-120"/>
+                <a:ea typeface="Microsoft JhengHei" panose="020B0604030504040204" pitchFamily="34" charset="-120"/>
+              </a:rPr>
+              <a:t>( </a:t>
+            </a:r>
+            <a:r>
+              <a:rPr lang="zh-CN" altLang="en-US" sz="4400" b="1" dirty="0">
+                <a:solidFill>
+                  <a:srgbClr val="000066"/>
+                </a:solidFill>
+                <a:effectLst/>
+                <a:latin typeface="Microsoft JhengHei" panose="020B0604030504040204" pitchFamily="34" charset="-120"/>
+                <a:ea typeface="Microsoft JhengHei" panose="020B0604030504040204" pitchFamily="34" charset="-120"/>
+              </a:rPr>
+              <a:t>正</a:t>
+            </a:r>
+            <a:r>
+              <a:rPr lang="en-US" sz="4400" b="1" dirty="0">
+                <a:solidFill>
+                  <a:srgbClr val="000066"/>
+                </a:solidFill>
+                <a:effectLst/>
+                <a:latin typeface="Microsoft JhengHei" panose="020B0604030504040204" pitchFamily="34" charset="-120"/>
+                <a:ea typeface="Microsoft JhengHei" panose="020B0604030504040204" pitchFamily="34" charset="-120"/>
+              </a:rPr>
+              <a:t> )</a:t>
+            </a:r>
+            <a:endParaRPr lang="vi-VN" sz="4400" b="1" dirty="0">
+              <a:solidFill>
+                <a:srgbClr val="000066"/>
+              </a:solidFill>
+              <a:effectLst/>
+              <a:ea typeface="Microsoft JhengHei" panose="020B0604030504040204" pitchFamily="34" charset="-120"/>
+            </a:endParaRPr>
+          </a:p>
+        </p:txBody>
+      </p:sp>
     </p:spTree>
     <p:extLst>
       <p:ext uri="{BB962C8B-B14F-4D97-AF65-F5344CB8AC3E}">
@@ -3386,6 +3486,72 @@
           </a:p>
         </p:txBody>
       </p:sp>
+      <p:sp>
+        <p:nvSpPr>
+          <p:cNvPr id="3" name="TextBox 2"/>
+          <p:cNvSpPr txBox="1"/>
+          <p:nvPr/>
+        </p:nvSpPr>
+        <p:spPr>
+          <a:xfrm>
+            <a:off x="0" y="5157192"/>
+            <a:ext cx="12192000" cy="769441"/>
+          </a:xfrm>
+          <a:prstGeom prst="rect">
+            <a:avLst/>
+          </a:prstGeom>
+          <a:noFill/>
+        </p:spPr>
+        <p:txBody>
+          <a:bodyPr wrap="square" rtlCol="0" anchor="ctr">
+            <a:spAutoFit/>
+          </a:bodyPr>
+          <a:lstStyle/>
+          <a:p>
+            <a:pPr algn="ctr"/>
+            <a:r>
+              <a:rPr lang="en-US" sz="4400" b="1" dirty="0">
+                <a:solidFill>
+                  <a:srgbClr val="000066"/>
+                </a:solidFill>
+                <a:effectLst/>
+                <a:latin typeface="Microsoft JhengHei" panose="020B0604030504040204" pitchFamily="34" charset="-120"/>
+                <a:ea typeface="Microsoft JhengHei" panose="020B0604030504040204" pitchFamily="34" charset="-120"/>
+              </a:rPr>
+              <a:t>( </a:t>
+            </a:r>
+            <a:r>
+              <a:rPr lang="zh-CN" altLang="en-US" sz="4400" b="1" dirty="0">
+                <a:solidFill>
+                  <a:srgbClr val="000066"/>
+                </a:solidFill>
+                <a:effectLst/>
+                <a:latin typeface="Microsoft JhengHei" panose="020B0604030504040204" pitchFamily="34" charset="-120"/>
+                <a:ea typeface="Microsoft JhengHei" panose="020B0604030504040204" pitchFamily="34" charset="-120"/>
+              </a:rPr>
+              <a:t>正</a:t>
+            </a:r>
+            <a:r>
+              <a:rPr lang="en-US" sz="4400" b="1" dirty="0">
+                <a:solidFill>
+                  <a:srgbClr val="000066"/>
+                </a:solidFill>
+                <a:effectLst/>
+                <a:latin typeface="Microsoft JhengHei" panose="020B0604030504040204" pitchFamily="34" charset="-120"/>
+                <a:ea typeface="Microsoft JhengHei" panose="020B0604030504040204" pitchFamily="34" charset="-120"/>
+              </a:rPr>
+              <a:t> )</a:t>
+            </a:r>
+            <a:endParaRPr lang="vi-VN" sz="4400" b="1" dirty="0">
+              <a:solidFill>
+                <a:srgbClr val="000066"/>
+              </a:solidFill>
+              <a:effectLst/>
+              <a:ea typeface="Microsoft JhengHei" panose="020B0604030504040204" pitchFamily="34" charset="-120"/>
+            </a:endParaRPr>
+          </a:p>
+        </p:txBody>
+      </p:sp>
     </p:spTree>
     <p:extLst>
       <p:ext uri="{BB962C8B-B14F-4D97-AF65-F5344CB8AC3E}">
@@ -3483,6 +3649,83 @@
           </a:p>
         </p:txBody>
       </p:sp>
+      <p:sp>
+        <p:nvSpPr>
+          <p:cNvPr id="3" name="TextBox 2"/>
+          <p:cNvSpPr txBox="1"/>
+          <p:nvPr/>
+        </p:nvSpPr>
+        <p:spPr>
+          <a:xfrm>
+            <a:off x="0" y="5157192"/>
+            <a:ext cx="12192000" cy="769441"/>
+          </a:xfrm>
+          <a:prstGeom prst="rect">
+            <a:avLst/>
+          </a:prstGeom>
+          <a:noFill/>
+        </p:spPr>
+        <p:txBody>
+          <a:bodyPr wrap="square" rtlCol="0" anchor="ctr">
+            <a:spAutoFit/>
+          </a:bodyPr>
+          <a:lstStyle/>
+          <a:p>
+            <a:pPr algn="ctr"/>
+            <a:r>
+              <a:rPr lang="en-US" sz="4400" b="1" dirty="0">
+                <a:solidFill>
+                  <a:srgbClr val="000066"/>
+                </a:solidFill>
+                <a:effectLst/>
+                <a:latin typeface="Microsoft JhengHei" panose="020B0604030504040204" pitchFamily="34" charset="-120"/>
+                <a:ea typeface="Microsoft JhengHei" panose="020B0604030504040204" pitchFamily="34" charset="-120"/>
+              </a:rPr>
+              <a:t>( </a:t>
+            </a:r>
+            <a:r>
+              <a:rPr lang="zh-CN" altLang="en-US" sz="4400" b="1" dirty="0" smtClean="0">
+                <a:solidFill>
+                  <a:srgbClr val="000066"/>
+                </a:solidFill>
+                <a:effectLst/>
+                <a:latin typeface="Microsoft JhengHei" panose="020B0604030504040204" pitchFamily="34" charset="-120"/>
+                <a:ea typeface="Microsoft JhengHei" panose="020B0604030504040204" pitchFamily="34" charset="-120"/>
+              </a:rPr>
+              <a:t>副</a:t>
+            </a:r>
+            <a:r>
+              <a:rPr lang="en-US" sz="4400" b="1" dirty="0" smtClean="0">
+                <a:solidFill>
+                  <a:srgbClr val="000066"/>
+                </a:solidFill>
+                <a:effectLst/>
+                <a:latin typeface="Microsoft JhengHei" panose="020B0604030504040204" pitchFamily="34" charset="-120"/>
+                <a:ea typeface="Microsoft JhengHei" panose="020B0604030504040204" pitchFamily="34" charset="-120"/>
+              </a:rPr>
+              <a:t> </a:t>
+            </a:r>
+            <a:r>
+              <a:rPr lang="en-US" sz="4400" b="1" dirty="0">
+                <a:solidFill>
+                  <a:srgbClr val="000066"/>
+                </a:solidFill>
+                <a:effectLst/>
+                <a:latin typeface="Microsoft JhengHei" panose="020B0604030504040204" pitchFamily="34" charset="-120"/>
+                <a:ea typeface="Microsoft JhengHei" panose="020B0604030504040204" pitchFamily="34" charset="-120"/>
+              </a:rPr>
+              <a:t>)</a:t>
+            </a:r>
+            <a:endParaRPr lang="vi-VN" sz="4400" b="1" dirty="0">
+              <a:solidFill>
+                <a:srgbClr val="000066"/>
+              </a:solidFill>
+              <a:effectLst/>
+              <a:ea typeface="Microsoft JhengHei" panose="020B0604030504040204" pitchFamily="34" charset="-120"/>
+            </a:endParaRPr>
+          </a:p>
+        </p:txBody>
+      </p:sp>
     </p:spTree>
     <p:extLst>
       <p:ext uri="{BB962C8B-B14F-4D97-AF65-F5344CB8AC3E}">
@@ -3580,6 +3823,83 @@
           </a:p>
         </p:txBody>
       </p:sp>
+      <p:sp>
+        <p:nvSpPr>
+          <p:cNvPr id="3" name="TextBox 2"/>
+          <p:cNvSpPr txBox="1"/>
+          <p:nvPr/>
+        </p:nvSpPr>
+        <p:spPr>
+          <a:xfrm>
+            <a:off x="0" y="5157192"/>
+            <a:ext cx="12192000" cy="769441"/>
+          </a:xfrm>
+          <a:prstGeom prst="rect">
+            <a:avLst/>
+          </a:prstGeom>
+          <a:noFill/>
+        </p:spPr>
+        <p:txBody>
+          <a:bodyPr wrap="square" rtlCol="0" anchor="ctr">
+            <a:spAutoFit/>
+          </a:bodyPr>
+          <a:lstStyle/>
+          <a:p>
+            <a:pPr algn="ctr"/>
+            <a:r>
+              <a:rPr lang="en-US" sz="4400" b="1" dirty="0">
+                <a:solidFill>
+                  <a:srgbClr val="000066"/>
+                </a:solidFill>
+                <a:effectLst/>
+                <a:latin typeface="Microsoft JhengHei" panose="020B0604030504040204" pitchFamily="34" charset="-120"/>
+                <a:ea typeface="Microsoft JhengHei" panose="020B0604030504040204" pitchFamily="34" charset="-120"/>
+              </a:rPr>
+              <a:t>( </a:t>
+            </a:r>
+            <a:r>
+              <a:rPr lang="zh-CN" altLang="en-US" sz="4400" b="1" dirty="0" smtClean="0">
+                <a:solidFill>
+                  <a:srgbClr val="000066"/>
+                </a:solidFill>
+                <a:effectLst/>
+                <a:latin typeface="Microsoft JhengHei" panose="020B0604030504040204" pitchFamily="34" charset="-120"/>
+                <a:ea typeface="Microsoft JhengHei" panose="020B0604030504040204" pitchFamily="34" charset="-120"/>
+              </a:rPr>
+              <a:t>副</a:t>
+            </a:r>
+            <a:r>
+              <a:rPr lang="en-US" sz="4400" b="1" dirty="0" smtClean="0">
+                <a:solidFill>
+                  <a:srgbClr val="000066"/>
+                </a:solidFill>
+                <a:effectLst/>
+                <a:latin typeface="Microsoft JhengHei" panose="020B0604030504040204" pitchFamily="34" charset="-120"/>
+                <a:ea typeface="Microsoft JhengHei" panose="020B0604030504040204" pitchFamily="34" charset="-120"/>
+              </a:rPr>
+              <a:t> </a:t>
+            </a:r>
+            <a:r>
+              <a:rPr lang="en-US" sz="4400" b="1" dirty="0">
+                <a:solidFill>
+                  <a:srgbClr val="000066"/>
+                </a:solidFill>
+                <a:effectLst/>
+                <a:latin typeface="Microsoft JhengHei" panose="020B0604030504040204" pitchFamily="34" charset="-120"/>
+                <a:ea typeface="Microsoft JhengHei" panose="020B0604030504040204" pitchFamily="34" charset="-120"/>
+              </a:rPr>
+              <a:t>)</a:t>
+            </a:r>
+            <a:endParaRPr lang="vi-VN" sz="4400" b="1" dirty="0">
+              <a:solidFill>
+                <a:srgbClr val="000066"/>
+              </a:solidFill>
+              <a:effectLst/>
+              <a:ea typeface="Microsoft JhengHei" panose="020B0604030504040204" pitchFamily="34" charset="-120"/>
+            </a:endParaRPr>
+          </a:p>
+        </p:txBody>
+      </p:sp>
     </p:spTree>
     <p:extLst>
       <p:ext uri="{BB962C8B-B14F-4D97-AF65-F5344CB8AC3E}">
@@ -3677,6 +3997,83 @@
           </a:p>
         </p:txBody>
       </p:sp>
+      <p:sp>
+        <p:nvSpPr>
+          <p:cNvPr id="3" name="TextBox 2"/>
+          <p:cNvSpPr txBox="1"/>
+          <p:nvPr/>
+        </p:nvSpPr>
+        <p:spPr>
+          <a:xfrm>
+            <a:off x="0" y="5157192"/>
+            <a:ext cx="12192000" cy="769441"/>
+          </a:xfrm>
+          <a:prstGeom prst="rect">
+            <a:avLst/>
+          </a:prstGeom>
+          <a:noFill/>
+        </p:spPr>
+        <p:txBody>
+          <a:bodyPr wrap="square" rtlCol="0" anchor="ctr">
+            <a:spAutoFit/>
+          </a:bodyPr>
+          <a:lstStyle/>
+          <a:p>
+            <a:pPr algn="ctr"/>
+            <a:r>
+              <a:rPr lang="en-US" sz="4400" b="1" dirty="0">
+                <a:solidFill>
+                  <a:srgbClr val="000066"/>
+                </a:solidFill>
+                <a:effectLst/>
+                <a:latin typeface="Microsoft JhengHei" panose="020B0604030504040204" pitchFamily="34" charset="-120"/>
+                <a:ea typeface="Microsoft JhengHei" panose="020B0604030504040204" pitchFamily="34" charset="-120"/>
+              </a:rPr>
+              <a:t>( </a:t>
+            </a:r>
+            <a:r>
+              <a:rPr lang="zh-CN" altLang="en-US" sz="4400" b="1" dirty="0" smtClean="0">
+                <a:solidFill>
+                  <a:srgbClr val="000066"/>
+                </a:solidFill>
+                <a:effectLst/>
+                <a:latin typeface="Microsoft JhengHei" panose="020B0604030504040204" pitchFamily="34" charset="-120"/>
+                <a:ea typeface="Microsoft JhengHei" panose="020B0604030504040204" pitchFamily="34" charset="-120"/>
+              </a:rPr>
+              <a:t>副</a:t>
+            </a:r>
+            <a:r>
+              <a:rPr lang="en-US" sz="4400" b="1" dirty="0" smtClean="0">
+                <a:solidFill>
+                  <a:srgbClr val="000066"/>
+                </a:solidFill>
+                <a:effectLst/>
+                <a:latin typeface="Microsoft JhengHei" panose="020B0604030504040204" pitchFamily="34" charset="-120"/>
+                <a:ea typeface="Microsoft JhengHei" panose="020B0604030504040204" pitchFamily="34" charset="-120"/>
+              </a:rPr>
+              <a:t> </a:t>
+            </a:r>
+            <a:r>
+              <a:rPr lang="en-US" sz="4400" b="1" dirty="0">
+                <a:solidFill>
+                  <a:srgbClr val="000066"/>
+                </a:solidFill>
+                <a:effectLst/>
+                <a:latin typeface="Microsoft JhengHei" panose="020B0604030504040204" pitchFamily="34" charset="-120"/>
+                <a:ea typeface="Microsoft JhengHei" panose="020B0604030504040204" pitchFamily="34" charset="-120"/>
+              </a:rPr>
+              <a:t>)</a:t>
+            </a:r>
+            <a:endParaRPr lang="vi-VN" sz="4400" b="1" dirty="0">
+              <a:solidFill>
+                <a:srgbClr val="000066"/>
+              </a:solidFill>
+              <a:effectLst/>
+              <a:ea typeface="Microsoft JhengHei" panose="020B0604030504040204" pitchFamily="34" charset="-120"/>
+            </a:endParaRPr>
+          </a:p>
+        </p:txBody>
+      </p:sp>
     </p:spTree>
     <p:extLst>
       <p:ext uri="{BB962C8B-B14F-4D97-AF65-F5344CB8AC3E}">
@@ -3770,6 +4167,83 @@
               </a:solidFill>
               <a:latin typeface="微軟正黑體" pitchFamily="34" charset="-120"/>
               <a:ea typeface="微軟正黑體" pitchFamily="34" charset="-120"/>
+            </a:endParaRPr>
+          </a:p>
+        </p:txBody>
+      </p:sp>
+      <p:sp>
+        <p:nvSpPr>
+          <p:cNvPr id="3" name="TextBox 2"/>
+          <p:cNvSpPr txBox="1"/>
+          <p:nvPr/>
+        </p:nvSpPr>
+        <p:spPr>
+          <a:xfrm>
+            <a:off x="0" y="5157192"/>
+            <a:ext cx="12192000" cy="769441"/>
+          </a:xfrm>
+          <a:prstGeom prst="rect">
+            <a:avLst/>
+          </a:prstGeom>
+          <a:noFill/>
+        </p:spPr>
+        <p:txBody>
+          <a:bodyPr wrap="square" rtlCol="0" anchor="ctr">
+            <a:spAutoFit/>
+          </a:bodyPr>
+          <a:lstStyle/>
+          <a:p>
+            <a:pPr algn="ctr"/>
+            <a:r>
+              <a:rPr lang="en-US" sz="4400" b="1" dirty="0">
+                <a:solidFill>
+                  <a:srgbClr val="000066"/>
+                </a:solidFill>
+                <a:effectLst/>
+                <a:latin typeface="Microsoft JhengHei" panose="020B0604030504040204" pitchFamily="34" charset="-120"/>
+                <a:ea typeface="Microsoft JhengHei" panose="020B0604030504040204" pitchFamily="34" charset="-120"/>
+              </a:rPr>
+              <a:t>( </a:t>
+            </a:r>
+            <a:r>
+              <a:rPr lang="zh-CN" altLang="en-US" sz="4400" b="1" dirty="0" smtClean="0">
+                <a:solidFill>
+                  <a:srgbClr val="000066"/>
+                </a:solidFill>
+                <a:effectLst/>
+                <a:latin typeface="Microsoft JhengHei" panose="020B0604030504040204" pitchFamily="34" charset="-120"/>
+                <a:ea typeface="Microsoft JhengHei" panose="020B0604030504040204" pitchFamily="34" charset="-120"/>
+              </a:rPr>
+              <a:t>副</a:t>
+            </a:r>
+            <a:r>
+              <a:rPr lang="en-US" sz="4400" b="1" dirty="0" smtClean="0">
+                <a:solidFill>
+                  <a:srgbClr val="000066"/>
+                </a:solidFill>
+                <a:effectLst/>
+                <a:latin typeface="Microsoft JhengHei" panose="020B0604030504040204" pitchFamily="34" charset="-120"/>
+                <a:ea typeface="Microsoft JhengHei" panose="020B0604030504040204" pitchFamily="34" charset="-120"/>
+              </a:rPr>
+              <a:t> </a:t>
+            </a:r>
+            <a:r>
+              <a:rPr lang="en-US" sz="4400" b="1" dirty="0">
+                <a:solidFill>
+                  <a:srgbClr val="000066"/>
+                </a:solidFill>
+                <a:effectLst/>
+                <a:latin typeface="Microsoft JhengHei" panose="020B0604030504040204" pitchFamily="34" charset="-120"/>
+                <a:ea typeface="Microsoft JhengHei" panose="020B0604030504040204" pitchFamily="34" charset="-120"/>
+              </a:rPr>
+              <a:t>)</a:t>
+            </a:r>
+            <a:endParaRPr lang="vi-VN" sz="4400" b="1" dirty="0">
+              <a:solidFill>
+                <a:srgbClr val="000066"/>
+              </a:solidFill>
+              <a:effectLst/>
+              <a:ea typeface="Microsoft JhengHei" panose="020B0604030504040204" pitchFamily="34" charset="-120"/>
             </a:endParaRPr>
           </a:p>
         </p:txBody>
